--- a/sf-chain/BlockChainPresentation.pptx
+++ b/sf-chain/BlockChainPresentation.pptx
@@ -22,6 +22,29 @@
     <p:sldId id="271" r:id="rId16"/>
     <p:sldId id="272" r:id="rId17"/>
     <p:sldId id="273" r:id="rId18"/>
+    <p:sldId id="274" r:id="rId19"/>
+    <p:sldId id="275" r:id="rId20"/>
+    <p:sldId id="276" r:id="rId21"/>
+    <p:sldId id="277" r:id="rId22"/>
+    <p:sldId id="278" r:id="rId23"/>
+    <p:sldId id="279" r:id="rId24"/>
+    <p:sldId id="280" r:id="rId25"/>
+    <p:sldId id="281" r:id="rId26"/>
+    <p:sldId id="282" r:id="rId27"/>
+    <p:sldId id="283" r:id="rId28"/>
+    <p:sldId id="284" r:id="rId29"/>
+    <p:sldId id="285" r:id="rId30"/>
+    <p:sldId id="286" r:id="rId31"/>
+    <p:sldId id="287" r:id="rId32"/>
+    <p:sldId id="288" r:id="rId33"/>
+    <p:sldId id="289" r:id="rId34"/>
+    <p:sldId id="290" r:id="rId35"/>
+    <p:sldId id="291" r:id="rId36"/>
+    <p:sldId id="292" r:id="rId37"/>
+    <p:sldId id="294" r:id="rId38"/>
+    <p:sldId id="295" r:id="rId39"/>
+    <p:sldId id="296" r:id="rId40"/>
+    <p:sldId id="297" r:id="rId41"/>
   </p:sldIdLst>
   <p:sldSz cx="9144000" cy="6858000" type="screen4x3"/>
   <p:notesSz cx="6858000" cy="9144000"/>
@@ -305,7 +328,7 @@
             <a:fld id="{1D8BD707-D9CF-40AE-B4C6-C98DA3205C09}" type="datetimeFigureOut">
               <a:rPr lang="en-US" smtClean="0"/>
               <a:pPr/>
-              <a:t>6/13/2018</a:t>
+              <a:t>6/17/2018</a:t>
             </a:fld>
             <a:endParaRPr lang="en-US"/>
           </a:p>
@@ -472,7 +495,7 @@
             <a:fld id="{1D8BD707-D9CF-40AE-B4C6-C98DA3205C09}" type="datetimeFigureOut">
               <a:rPr lang="en-US" smtClean="0"/>
               <a:pPr/>
-              <a:t>6/13/2018</a:t>
+              <a:t>6/17/2018</a:t>
             </a:fld>
             <a:endParaRPr lang="en-US"/>
           </a:p>
@@ -649,7 +672,7 @@
             <a:fld id="{1D8BD707-D9CF-40AE-B4C6-C98DA3205C09}" type="datetimeFigureOut">
               <a:rPr lang="en-US" smtClean="0"/>
               <a:pPr/>
-              <a:t>6/13/2018</a:t>
+              <a:t>6/17/2018</a:t>
             </a:fld>
             <a:endParaRPr lang="en-US"/>
           </a:p>
@@ -816,7 +839,7 @@
             <a:fld id="{1D8BD707-D9CF-40AE-B4C6-C98DA3205C09}" type="datetimeFigureOut">
               <a:rPr lang="en-US" smtClean="0"/>
               <a:pPr/>
-              <a:t>6/13/2018</a:t>
+              <a:t>6/17/2018</a:t>
             </a:fld>
             <a:endParaRPr lang="en-US"/>
           </a:p>
@@ -1059,7 +1082,7 @@
             <a:fld id="{1D8BD707-D9CF-40AE-B4C6-C98DA3205C09}" type="datetimeFigureOut">
               <a:rPr lang="en-US" smtClean="0"/>
               <a:pPr/>
-              <a:t>6/13/2018</a:t>
+              <a:t>6/17/2018</a:t>
             </a:fld>
             <a:endParaRPr lang="en-US"/>
           </a:p>
@@ -1344,7 +1367,7 @@
             <a:fld id="{1D8BD707-D9CF-40AE-B4C6-C98DA3205C09}" type="datetimeFigureOut">
               <a:rPr lang="en-US" smtClean="0"/>
               <a:pPr/>
-              <a:t>6/13/2018</a:t>
+              <a:t>6/17/2018</a:t>
             </a:fld>
             <a:endParaRPr lang="en-US"/>
           </a:p>
@@ -1763,7 +1786,7 @@
             <a:fld id="{1D8BD707-D9CF-40AE-B4C6-C98DA3205C09}" type="datetimeFigureOut">
               <a:rPr lang="en-US" smtClean="0"/>
               <a:pPr/>
-              <a:t>6/13/2018</a:t>
+              <a:t>6/17/2018</a:t>
             </a:fld>
             <a:endParaRPr lang="en-US"/>
           </a:p>
@@ -1878,7 +1901,7 @@
             <a:fld id="{1D8BD707-D9CF-40AE-B4C6-C98DA3205C09}" type="datetimeFigureOut">
               <a:rPr lang="en-US" smtClean="0"/>
               <a:pPr/>
-              <a:t>6/13/2018</a:t>
+              <a:t>6/17/2018</a:t>
             </a:fld>
             <a:endParaRPr lang="en-US"/>
           </a:p>
@@ -1970,7 +1993,7 @@
             <a:fld id="{1D8BD707-D9CF-40AE-B4C6-C98DA3205C09}" type="datetimeFigureOut">
               <a:rPr lang="en-US" smtClean="0"/>
               <a:pPr/>
-              <a:t>6/13/2018</a:t>
+              <a:t>6/17/2018</a:t>
             </a:fld>
             <a:endParaRPr lang="en-US"/>
           </a:p>
@@ -2244,7 +2267,7 @@
             <a:fld id="{1D8BD707-D9CF-40AE-B4C6-C98DA3205C09}" type="datetimeFigureOut">
               <a:rPr lang="en-US" smtClean="0"/>
               <a:pPr/>
-              <a:t>6/13/2018</a:t>
+              <a:t>6/17/2018</a:t>
             </a:fld>
             <a:endParaRPr lang="en-US"/>
           </a:p>
@@ -2494,7 +2517,7 @@
             <a:fld id="{1D8BD707-D9CF-40AE-B4C6-C98DA3205C09}" type="datetimeFigureOut">
               <a:rPr lang="en-US" smtClean="0"/>
               <a:pPr/>
-              <a:t>6/13/2018</a:t>
+              <a:t>6/17/2018</a:t>
             </a:fld>
             <a:endParaRPr lang="en-US"/>
           </a:p>
@@ -2704,7 +2727,7 @@
             <a:fld id="{1D8BD707-D9CF-40AE-B4C6-C98DA3205C09}" type="datetimeFigureOut">
               <a:rPr lang="en-US" smtClean="0"/>
               <a:pPr/>
-              <a:t>6/13/2018</a:t>
+              <a:t>6/17/2018</a:t>
             </a:fld>
             <a:endParaRPr lang="en-US"/>
           </a:p>
@@ -3831,11 +3854,7 @@
           <a:p>
             <a:r>
               <a:rPr lang="en-US" b="1" dirty="0" smtClean="0"/>
-              <a:t>Privacy is bit questionable</a:t>
-            </a:r>
-            <a:r>
-              <a:rPr lang="en-US" b="1" dirty="0" smtClean="0"/>
-              <a:t>.</a:t>
+              <a:t>Privacy is bit questionable.</a:t>
             </a:r>
             <a:br>
               <a:rPr lang="en-US" b="1" dirty="0" smtClean="0"/>
@@ -4383,6 +4402,418 @@
 </p:sld>
 </file>
 
+<file path=ppt/slides/slide18.xml><?xml version="1.0" encoding="utf-8"?>
+<p:sld xmlns:a="http://schemas.openxmlformats.org/drawingml/2006/main" xmlns:r="http://schemas.openxmlformats.org/officeDocument/2006/relationships" xmlns:p="http://schemas.openxmlformats.org/presentationml/2006/main">
+  <p:cSld>
+    <p:spTree>
+      <p:nvGrpSpPr>
+        <p:cNvPr id="1" name=""/>
+        <p:cNvGrpSpPr/>
+        <p:nvPr/>
+      </p:nvGrpSpPr>
+      <p:grpSpPr>
+        <a:xfrm>
+          <a:off x="0" y="0"/>
+          <a:ext cx="0" cy="0"/>
+          <a:chOff x="0" y="0"/>
+          <a:chExt cx="0" cy="0"/>
+        </a:xfrm>
+      </p:grpSpPr>
+      <p:sp>
+        <p:nvSpPr>
+          <p:cNvPr id="2" name="Title 1"/>
+          <p:cNvSpPr>
+            <a:spLocks noGrp="1"/>
+          </p:cNvSpPr>
+          <p:nvPr>
+            <p:ph type="ctrTitle"/>
+          </p:nvPr>
+        </p:nvSpPr>
+        <p:spPr>
+          <a:xfrm>
+            <a:off x="0" y="228600"/>
+            <a:ext cx="8991600" cy="990600"/>
+          </a:xfrm>
+        </p:spPr>
+        <p:txBody>
+          <a:bodyPr>
+            <a:normAutofit/>
+          </a:bodyPr>
+          <a:lstStyle/>
+          <a:p>
+            <a:r>
+              <a:rPr lang="en-US" dirty="0" smtClean="0"/>
+              <a:t>So What is A Block?</a:t>
+            </a:r>
+            <a:endParaRPr lang="en-US" dirty="0"/>
+          </a:p>
+        </p:txBody>
+      </p:sp>
+      <p:pic>
+        <p:nvPicPr>
+          <p:cNvPr id="1026" name="Picture 2"/>
+          <p:cNvPicPr>
+            <a:picLocks noChangeAspect="1" noChangeArrowheads="1"/>
+          </p:cNvPicPr>
+          <p:nvPr/>
+        </p:nvPicPr>
+        <p:blipFill>
+          <a:blip r:embed="rId2"/>
+          <a:srcRect/>
+          <a:stretch>
+            <a:fillRect/>
+          </a:stretch>
+        </p:blipFill>
+        <p:spPr bwMode="auto">
+          <a:xfrm>
+            <a:off x="2438400" y="2819400"/>
+            <a:ext cx="2819400" cy="2731543"/>
+          </a:xfrm>
+          <a:prstGeom prst="rect">
+            <a:avLst/>
+          </a:prstGeom>
+          <a:noFill/>
+          <a:ln w="9525">
+            <a:noFill/>
+            <a:miter lim="800000"/>
+            <a:headEnd/>
+            <a:tailEnd/>
+          </a:ln>
+          <a:effectLst/>
+        </p:spPr>
+      </p:pic>
+      <p:sp>
+        <p:nvSpPr>
+          <p:cNvPr id="5" name="Rectangle 4"/>
+          <p:cNvSpPr/>
+          <p:nvPr/>
+        </p:nvSpPr>
+        <p:spPr>
+          <a:xfrm>
+            <a:off x="457200" y="1143000"/>
+            <a:ext cx="8229600" cy="1477328"/>
+          </a:xfrm>
+          <a:prstGeom prst="rect">
+            <a:avLst/>
+          </a:prstGeom>
+        </p:spPr>
+        <p:txBody>
+          <a:bodyPr wrap="square">
+            <a:spAutoFit/>
+          </a:bodyPr>
+          <a:lstStyle/>
+          <a:p>
+            <a:r>
+              <a:rPr lang="en-US" dirty="0" smtClean="0"/>
+              <a:t>Most fundamental unit, we need block to build block chain?</a:t>
+            </a:r>
+          </a:p>
+          <a:p>
+            <a:r>
+              <a:rPr lang="en-US" dirty="0" smtClean="0"/>
+              <a:t>It is kind of collection for </a:t>
+            </a:r>
+            <a:r>
+              <a:rPr lang="en-US" dirty="0" smtClean="0"/>
+              <a:t>following </a:t>
+            </a:r>
+            <a:r>
+              <a:rPr lang="en-US" dirty="0" smtClean="0"/>
+              <a:t>things.</a:t>
+            </a:r>
+          </a:p>
+          <a:p>
+            <a:r>
+              <a:rPr lang="en-US" dirty="0" smtClean="0"/>
+              <a:t>(a) </a:t>
+            </a:r>
+            <a:r>
+              <a:rPr lang="en-US" dirty="0" smtClean="0"/>
+              <a:t>Timestamp </a:t>
+            </a:r>
+            <a:r>
+              <a:rPr lang="en-US" dirty="0" smtClean="0"/>
+              <a:t>in </a:t>
+            </a:r>
+            <a:r>
+              <a:rPr lang="en-US" dirty="0" smtClean="0"/>
+              <a:t>milliseconds</a:t>
+            </a:r>
+            <a:endParaRPr lang="en-US" dirty="0" smtClean="0"/>
+          </a:p>
+          <a:p>
+            <a:r>
+              <a:rPr lang="en-US" dirty="0" smtClean="0"/>
+              <a:t>(b) </a:t>
+            </a:r>
+            <a:r>
+              <a:rPr lang="en-US" dirty="0" err="1" smtClean="0"/>
+              <a:t>lastHash</a:t>
+            </a:r>
+            <a:r>
+              <a:rPr lang="en-US" dirty="0" smtClean="0"/>
+              <a:t>- </a:t>
+            </a:r>
+            <a:r>
+              <a:rPr lang="en-US" dirty="0" smtClean="0"/>
+              <a:t>the hash of the block before </a:t>
+            </a:r>
+            <a:r>
+              <a:rPr lang="en-US" dirty="0" smtClean="0"/>
+              <a:t>it</a:t>
+            </a:r>
+            <a:endParaRPr lang="en-US" dirty="0" smtClean="0"/>
+          </a:p>
+          <a:p>
+            <a:r>
+              <a:rPr lang="en-US" dirty="0" smtClean="0"/>
+              <a:t>(c) </a:t>
+            </a:r>
+            <a:r>
+              <a:rPr lang="en-US" dirty="0" smtClean="0"/>
+              <a:t>the data store</a:t>
+            </a:r>
+            <a:endParaRPr lang="en-US" dirty="0"/>
+          </a:p>
+        </p:txBody>
+      </p:sp>
+      <p:sp>
+        <p:nvSpPr>
+          <p:cNvPr id="6" name="Rectangle 5"/>
+          <p:cNvSpPr/>
+          <p:nvPr/>
+        </p:nvSpPr>
+        <p:spPr>
+          <a:xfrm>
+            <a:off x="914400" y="5867400"/>
+            <a:ext cx="6096000" cy="646331"/>
+          </a:xfrm>
+          <a:prstGeom prst="rect">
+            <a:avLst/>
+          </a:prstGeom>
+        </p:spPr>
+        <p:txBody>
+          <a:bodyPr wrap="square">
+            <a:spAutoFit/>
+          </a:bodyPr>
+          <a:lstStyle/>
+          <a:p>
+            <a:r>
+              <a:rPr lang="en-US" dirty="0" smtClean="0"/>
+              <a:t>Code :-</a:t>
+            </a:r>
+            <a:br>
+              <a:rPr lang="en-US" dirty="0" smtClean="0"/>
+            </a:br>
+            <a:r>
+              <a:rPr lang="en-US" dirty="0" smtClean="0"/>
+              <a:t>blockchain/block.js</a:t>
+            </a:r>
+            <a:endParaRPr lang="en-US" dirty="0"/>
+          </a:p>
+        </p:txBody>
+      </p:sp>
+    </p:spTree>
+  </p:cSld>
+  <p:clrMapOvr>
+    <a:masterClrMapping/>
+  </p:clrMapOvr>
+</p:sld>
+</file>
+
+<file path=ppt/slides/slide19.xml><?xml version="1.0" encoding="utf-8"?>
+<p:sld xmlns:a="http://schemas.openxmlformats.org/drawingml/2006/main" xmlns:r="http://schemas.openxmlformats.org/officeDocument/2006/relationships" xmlns:p="http://schemas.openxmlformats.org/presentationml/2006/main">
+  <p:cSld>
+    <p:spTree>
+      <p:nvGrpSpPr>
+        <p:cNvPr id="1" name=""/>
+        <p:cNvGrpSpPr/>
+        <p:nvPr/>
+      </p:nvGrpSpPr>
+      <p:grpSpPr>
+        <a:xfrm>
+          <a:off x="0" y="0"/>
+          <a:ext cx="0" cy="0"/>
+          <a:chOff x="0" y="0"/>
+          <a:chExt cx="0" cy="0"/>
+        </a:xfrm>
+      </p:grpSpPr>
+      <p:sp>
+        <p:nvSpPr>
+          <p:cNvPr id="2" name="Title 1"/>
+          <p:cNvSpPr>
+            <a:spLocks noGrp="1"/>
+          </p:cNvSpPr>
+          <p:nvPr>
+            <p:ph type="ctrTitle"/>
+          </p:nvPr>
+        </p:nvSpPr>
+        <p:spPr>
+          <a:xfrm>
+            <a:off x="0" y="228600"/>
+            <a:ext cx="8991600" cy="990600"/>
+          </a:xfrm>
+        </p:spPr>
+        <p:txBody>
+          <a:bodyPr>
+            <a:normAutofit/>
+          </a:bodyPr>
+          <a:lstStyle/>
+          <a:p>
+            <a:r>
+              <a:rPr lang="en-US" dirty="0" smtClean="0"/>
+              <a:t>So From where First Block Came?</a:t>
+            </a:r>
+            <a:endParaRPr lang="en-US" dirty="0"/>
+          </a:p>
+        </p:txBody>
+      </p:sp>
+      <p:sp>
+        <p:nvSpPr>
+          <p:cNvPr id="6" name="Rectangle 5"/>
+          <p:cNvSpPr/>
+          <p:nvPr/>
+        </p:nvSpPr>
+        <p:spPr>
+          <a:xfrm>
+            <a:off x="914400" y="5867400"/>
+            <a:ext cx="6096000" cy="646331"/>
+          </a:xfrm>
+          <a:prstGeom prst="rect">
+            <a:avLst/>
+          </a:prstGeom>
+        </p:spPr>
+        <p:txBody>
+          <a:bodyPr wrap="square">
+            <a:spAutoFit/>
+          </a:bodyPr>
+          <a:lstStyle/>
+          <a:p>
+            <a:r>
+              <a:rPr lang="en-US" dirty="0" smtClean="0"/>
+              <a:t>Code :-</a:t>
+            </a:r>
+            <a:br>
+              <a:rPr lang="en-US" dirty="0" smtClean="0"/>
+            </a:br>
+            <a:r>
+              <a:rPr lang="en-US" dirty="0" smtClean="0"/>
+              <a:t>blockchain/block.js</a:t>
+            </a:r>
+            <a:endParaRPr lang="en-US" dirty="0"/>
+          </a:p>
+        </p:txBody>
+      </p:sp>
+      <p:pic>
+        <p:nvPicPr>
+          <p:cNvPr id="2050" name="Picture 2"/>
+          <p:cNvPicPr>
+            <a:picLocks noChangeAspect="1" noChangeArrowheads="1"/>
+          </p:cNvPicPr>
+          <p:nvPr/>
+        </p:nvPicPr>
+        <p:blipFill>
+          <a:blip r:embed="rId2"/>
+          <a:srcRect/>
+          <a:stretch>
+            <a:fillRect/>
+          </a:stretch>
+        </p:blipFill>
+        <p:spPr bwMode="auto">
+          <a:xfrm>
+            <a:off x="2667000" y="3429000"/>
+            <a:ext cx="3352800" cy="1143000"/>
+          </a:xfrm>
+          <a:prstGeom prst="rect">
+            <a:avLst/>
+          </a:prstGeom>
+          <a:noFill/>
+          <a:ln w="9525">
+            <a:noFill/>
+            <a:miter lim="800000"/>
+            <a:headEnd/>
+            <a:tailEnd/>
+          </a:ln>
+          <a:effectLst/>
+        </p:spPr>
+      </p:pic>
+      <p:sp>
+        <p:nvSpPr>
+          <p:cNvPr id="7" name="Rectangle 6"/>
+          <p:cNvSpPr/>
+          <p:nvPr/>
+        </p:nvSpPr>
+        <p:spPr>
+          <a:xfrm>
+            <a:off x="1524000" y="1371600"/>
+            <a:ext cx="4572000" cy="923330"/>
+          </a:xfrm>
+          <a:prstGeom prst="rect">
+            <a:avLst/>
+          </a:prstGeom>
+        </p:spPr>
+        <p:txBody>
+          <a:bodyPr>
+            <a:spAutoFit/>
+          </a:bodyPr>
+          <a:lstStyle/>
+          <a:p>
+            <a:r>
+              <a:rPr lang="en-US" dirty="0" smtClean="0"/>
+              <a:t>(a) concept of </a:t>
+            </a:r>
+            <a:r>
+              <a:rPr lang="en-US" dirty="0" smtClean="0"/>
+              <a:t>genesis Origin </a:t>
+            </a:r>
+            <a:r>
+              <a:rPr lang="en-US" dirty="0" smtClean="0"/>
+              <a:t>of First block</a:t>
+            </a:r>
+          </a:p>
+          <a:p>
+            <a:r>
+              <a:rPr lang="en-US" dirty="0" smtClean="0"/>
+              <a:t>(b) It has </a:t>
+            </a:r>
+            <a:r>
+              <a:rPr lang="en-US" dirty="0" smtClean="0"/>
+              <a:t>dummy </a:t>
+            </a:r>
+            <a:r>
+              <a:rPr lang="en-US" dirty="0" smtClean="0"/>
+              <a:t>value</a:t>
+            </a:r>
+          </a:p>
+          <a:p>
+            <a:r>
+              <a:rPr lang="en-US" dirty="0" smtClean="0"/>
+              <a:t>(c) </a:t>
+            </a:r>
+            <a:r>
+              <a:rPr lang="en-US" dirty="0" smtClean="0"/>
+              <a:t>It </a:t>
+            </a:r>
+            <a:r>
+              <a:rPr lang="en-US" dirty="0" smtClean="0"/>
+              <a:t>has predefine </a:t>
+            </a:r>
+            <a:r>
+              <a:rPr lang="en-US" dirty="0" smtClean="0"/>
+              <a:t>value</a:t>
+            </a:r>
+            <a:endParaRPr lang="en-US" dirty="0"/>
+          </a:p>
+        </p:txBody>
+      </p:sp>
+    </p:spTree>
+  </p:cSld>
+  <p:clrMapOvr>
+    <a:masterClrMapping/>
+  </p:clrMapOvr>
+</p:sld>
+</file>
+
 <file path=ppt/slides/slide2.xml><?xml version="1.0" encoding="utf-8"?>
 <p:sld xmlns:a="http://schemas.openxmlformats.org/drawingml/2006/main" xmlns:r="http://schemas.openxmlformats.org/officeDocument/2006/relationships" xmlns:p="http://schemas.openxmlformats.org/presentationml/2006/main">
   <p:cSld>
@@ -4493,6 +4924,1760 @@
           <a:effectLst/>
         </p:spPr>
       </p:pic>
+    </p:spTree>
+  </p:cSld>
+  <p:clrMapOvr>
+    <a:masterClrMapping/>
+  </p:clrMapOvr>
+</p:sld>
+</file>
+
+<file path=ppt/slides/slide20.xml><?xml version="1.0" encoding="utf-8"?>
+<p:sld xmlns:a="http://schemas.openxmlformats.org/drawingml/2006/main" xmlns:r="http://schemas.openxmlformats.org/officeDocument/2006/relationships" xmlns:p="http://schemas.openxmlformats.org/presentationml/2006/main">
+  <p:cSld>
+    <p:spTree>
+      <p:nvGrpSpPr>
+        <p:cNvPr id="1" name=""/>
+        <p:cNvGrpSpPr/>
+        <p:nvPr/>
+      </p:nvGrpSpPr>
+      <p:grpSpPr>
+        <a:xfrm>
+          <a:off x="0" y="0"/>
+          <a:ext cx="0" cy="0"/>
+          <a:chOff x="0" y="0"/>
+          <a:chExt cx="0" cy="0"/>
+        </a:xfrm>
+      </p:grpSpPr>
+      <p:sp>
+        <p:nvSpPr>
+          <p:cNvPr id="2" name="Title 1"/>
+          <p:cNvSpPr>
+            <a:spLocks noGrp="1"/>
+          </p:cNvSpPr>
+          <p:nvPr>
+            <p:ph type="ctrTitle"/>
+          </p:nvPr>
+        </p:nvSpPr>
+        <p:spPr>
+          <a:xfrm>
+            <a:off x="0" y="228600"/>
+            <a:ext cx="8991600" cy="990600"/>
+          </a:xfrm>
+        </p:spPr>
+        <p:txBody>
+          <a:bodyPr>
+            <a:normAutofit/>
+          </a:bodyPr>
+          <a:lstStyle/>
+          <a:p>
+            <a:r>
+              <a:rPr lang="en-US" dirty="0" smtClean="0"/>
+              <a:t>Why are using  SHA256?</a:t>
+            </a:r>
+            <a:endParaRPr lang="en-US" dirty="0"/>
+          </a:p>
+        </p:txBody>
+      </p:sp>
+      <p:sp>
+        <p:nvSpPr>
+          <p:cNvPr id="6" name="Rectangle 5"/>
+          <p:cNvSpPr/>
+          <p:nvPr/>
+        </p:nvSpPr>
+        <p:spPr>
+          <a:xfrm>
+            <a:off x="914400" y="5334000"/>
+            <a:ext cx="6096000" cy="923330"/>
+          </a:xfrm>
+          <a:prstGeom prst="rect">
+            <a:avLst/>
+          </a:prstGeom>
+        </p:spPr>
+        <p:txBody>
+          <a:bodyPr wrap="square">
+            <a:spAutoFit/>
+          </a:bodyPr>
+          <a:lstStyle/>
+          <a:p>
+            <a:r>
+              <a:rPr lang="en-US" dirty="0" smtClean="0"/>
+              <a:t>Code :-</a:t>
+            </a:r>
+            <a:r>
+              <a:rPr lang="en-US" dirty="0" smtClean="0"/>
+              <a:t/>
+            </a:r>
+            <a:br>
+              <a:rPr lang="en-US" dirty="0" smtClean="0"/>
+            </a:br>
+            <a:r>
+              <a:rPr lang="en-US" dirty="0" smtClean="0"/>
+              <a:t>blockchain/block.js</a:t>
+            </a:r>
+            <a:br>
+              <a:rPr lang="en-US" dirty="0" smtClean="0"/>
+            </a:br>
+            <a:r>
+              <a:rPr lang="en-US" dirty="0" smtClean="0"/>
+              <a:t> </a:t>
+            </a:r>
+            <a:r>
+              <a:rPr lang="en-US" dirty="0" smtClean="0"/>
+              <a:t>/chain-util.js</a:t>
+            </a:r>
+            <a:endParaRPr lang="en-US" dirty="0"/>
+          </a:p>
+        </p:txBody>
+      </p:sp>
+      <p:sp>
+        <p:nvSpPr>
+          <p:cNvPr id="8" name="Rectangle 7"/>
+          <p:cNvSpPr/>
+          <p:nvPr/>
+        </p:nvSpPr>
+        <p:spPr>
+          <a:xfrm>
+            <a:off x="533400" y="1219200"/>
+            <a:ext cx="7924800" cy="2031325"/>
+          </a:xfrm>
+          <a:prstGeom prst="rect">
+            <a:avLst/>
+          </a:prstGeom>
+        </p:spPr>
+        <p:txBody>
+          <a:bodyPr wrap="square">
+            <a:spAutoFit/>
+          </a:bodyPr>
+          <a:lstStyle/>
+          <a:p>
+            <a:r>
+              <a:rPr lang="en-US" dirty="0" smtClean="0"/>
+              <a:t>(1) The </a:t>
+            </a:r>
+            <a:r>
+              <a:rPr lang="en-US" dirty="0" smtClean="0"/>
+              <a:t>has is generated from the </a:t>
+            </a:r>
+            <a:r>
+              <a:rPr lang="en-US" dirty="0" smtClean="0"/>
+              <a:t>timestamp, lastHash </a:t>
+            </a:r>
+            <a:r>
+              <a:rPr lang="en-US" dirty="0" smtClean="0"/>
+              <a:t>and Stored data</a:t>
+            </a:r>
+          </a:p>
+          <a:p>
+            <a:r>
+              <a:rPr lang="en-US" dirty="0" smtClean="0"/>
+              <a:t>(2) We </a:t>
+            </a:r>
+            <a:r>
+              <a:rPr lang="en-US" dirty="0" smtClean="0"/>
+              <a:t>have used </a:t>
+            </a:r>
+            <a:r>
+              <a:rPr lang="en-US" dirty="0" smtClean="0"/>
+              <a:t>algorithm </a:t>
+            </a:r>
+            <a:r>
+              <a:rPr lang="en-US" dirty="0" smtClean="0"/>
+              <a:t>called SHA-256</a:t>
+            </a:r>
+          </a:p>
+          <a:p>
+            <a:r>
+              <a:rPr lang="en-US" dirty="0" smtClean="0"/>
+              <a:t>(3) Because </a:t>
+            </a:r>
+            <a:r>
+              <a:rPr lang="en-US" dirty="0" smtClean="0"/>
+              <a:t>it </a:t>
+            </a:r>
+            <a:r>
+              <a:rPr lang="en-US" dirty="0" smtClean="0"/>
+              <a:t>generate </a:t>
+            </a:r>
+            <a:r>
+              <a:rPr lang="en-US" dirty="0" smtClean="0"/>
+              <a:t>hash </a:t>
+            </a:r>
+            <a:r>
+              <a:rPr lang="en-US" dirty="0" smtClean="0"/>
+              <a:t>value </a:t>
+            </a:r>
+            <a:r>
+              <a:rPr lang="en-US" dirty="0" smtClean="0"/>
+              <a:t>with bit size of 256 , 32 byte</a:t>
+            </a:r>
+          </a:p>
+          <a:p>
+            <a:r>
+              <a:rPr lang="en-US" dirty="0" smtClean="0"/>
+              <a:t>(4) Which  represent 32 char.</a:t>
+            </a:r>
+            <a:endParaRPr lang="en-US" dirty="0" smtClean="0"/>
+          </a:p>
+          <a:p>
+            <a:r>
+              <a:rPr lang="en-US" dirty="0" smtClean="0"/>
+              <a:t>(5) Produces </a:t>
+            </a:r>
+            <a:r>
+              <a:rPr lang="en-US" dirty="0" smtClean="0"/>
+              <a:t>unique 32-byte (256 bit) has value for Unique data input</a:t>
+            </a:r>
+          </a:p>
+          <a:p>
+            <a:r>
+              <a:rPr lang="en-US" dirty="0" smtClean="0"/>
+              <a:t>(6) One-way </a:t>
+            </a:r>
+            <a:r>
+              <a:rPr lang="en-US" dirty="0" smtClean="0"/>
+              <a:t>street </a:t>
+            </a:r>
+          </a:p>
+          <a:p>
+            <a:r>
+              <a:rPr lang="en-US" dirty="0" smtClean="0"/>
+              <a:t>(7) It </a:t>
+            </a:r>
+            <a:r>
+              <a:rPr lang="en-US" dirty="0" smtClean="0"/>
+              <a:t>is useful for block validation </a:t>
+            </a:r>
+            <a:endParaRPr lang="en-US" dirty="0"/>
+          </a:p>
+        </p:txBody>
+      </p:sp>
+      <p:pic>
+        <p:nvPicPr>
+          <p:cNvPr id="3074" name="Picture 2"/>
+          <p:cNvPicPr>
+            <a:picLocks noChangeAspect="1" noChangeArrowheads="1"/>
+          </p:cNvPicPr>
+          <p:nvPr/>
+        </p:nvPicPr>
+        <p:blipFill>
+          <a:blip r:embed="rId2"/>
+          <a:srcRect/>
+          <a:stretch>
+            <a:fillRect/>
+          </a:stretch>
+        </p:blipFill>
+        <p:spPr bwMode="auto">
+          <a:xfrm>
+            <a:off x="1905000" y="3429000"/>
+            <a:ext cx="1914525" cy="1647825"/>
+          </a:xfrm>
+          <a:prstGeom prst="rect">
+            <a:avLst/>
+          </a:prstGeom>
+          <a:noFill/>
+          <a:ln w="9525">
+            <a:noFill/>
+            <a:miter lim="800000"/>
+            <a:headEnd/>
+            <a:tailEnd/>
+          </a:ln>
+          <a:effectLst/>
+        </p:spPr>
+      </p:pic>
+    </p:spTree>
+  </p:cSld>
+  <p:clrMapOvr>
+    <a:masterClrMapping/>
+  </p:clrMapOvr>
+</p:sld>
+</file>
+
+<file path=ppt/slides/slide21.xml><?xml version="1.0" encoding="utf-8"?>
+<p:sld xmlns:a="http://schemas.openxmlformats.org/drawingml/2006/main" xmlns:r="http://schemas.openxmlformats.org/officeDocument/2006/relationships" xmlns:p="http://schemas.openxmlformats.org/presentationml/2006/main">
+  <p:cSld>
+    <p:spTree>
+      <p:nvGrpSpPr>
+        <p:cNvPr id="1" name=""/>
+        <p:cNvGrpSpPr/>
+        <p:nvPr/>
+      </p:nvGrpSpPr>
+      <p:grpSpPr>
+        <a:xfrm>
+          <a:off x="0" y="0"/>
+          <a:ext cx="0" cy="0"/>
+          <a:chOff x="0" y="0"/>
+          <a:chExt cx="0" cy="0"/>
+        </a:xfrm>
+      </p:grpSpPr>
+      <p:sp>
+        <p:nvSpPr>
+          <p:cNvPr id="2" name="Title 1"/>
+          <p:cNvSpPr>
+            <a:spLocks noGrp="1"/>
+          </p:cNvSpPr>
+          <p:nvPr>
+            <p:ph type="ctrTitle"/>
+          </p:nvPr>
+        </p:nvSpPr>
+        <p:spPr>
+          <a:xfrm>
+            <a:off x="0" y="228600"/>
+            <a:ext cx="8991600" cy="990600"/>
+          </a:xfrm>
+        </p:spPr>
+        <p:txBody>
+          <a:bodyPr>
+            <a:normAutofit/>
+          </a:bodyPr>
+          <a:lstStyle/>
+          <a:p>
+            <a:r>
+              <a:rPr lang="en-US" dirty="0" smtClean="0"/>
+              <a:t>Hope What Block Chain Understood?</a:t>
+            </a:r>
+            <a:endParaRPr lang="en-US" dirty="0"/>
+          </a:p>
+        </p:txBody>
+      </p:sp>
+      <p:sp>
+        <p:nvSpPr>
+          <p:cNvPr id="6" name="Rectangle 5"/>
+          <p:cNvSpPr/>
+          <p:nvPr/>
+        </p:nvSpPr>
+        <p:spPr>
+          <a:xfrm>
+            <a:off x="914400" y="5334000"/>
+            <a:ext cx="6096000" cy="646331"/>
+          </a:xfrm>
+          <a:prstGeom prst="rect">
+            <a:avLst/>
+          </a:prstGeom>
+        </p:spPr>
+        <p:txBody>
+          <a:bodyPr wrap="square">
+            <a:spAutoFit/>
+          </a:bodyPr>
+          <a:lstStyle/>
+          <a:p>
+            <a:r>
+              <a:rPr lang="en-US" dirty="0" smtClean="0"/>
+              <a:t>Code :-</a:t>
+            </a:r>
+            <a:r>
+              <a:rPr lang="en-US" dirty="0" smtClean="0"/>
+              <a:t/>
+            </a:r>
+            <a:br>
+              <a:rPr lang="en-US" dirty="0" smtClean="0"/>
+            </a:br>
+            <a:r>
+              <a:rPr lang="en-US" dirty="0" smtClean="0"/>
+              <a:t> blockchain/index.js</a:t>
+            </a:r>
+            <a:endParaRPr lang="en-US" dirty="0"/>
+          </a:p>
+        </p:txBody>
+      </p:sp>
+      <p:pic>
+        <p:nvPicPr>
+          <p:cNvPr id="4098" name="Picture 2"/>
+          <p:cNvPicPr>
+            <a:picLocks noChangeAspect="1" noChangeArrowheads="1"/>
+          </p:cNvPicPr>
+          <p:nvPr/>
+        </p:nvPicPr>
+        <p:blipFill>
+          <a:blip r:embed="rId2"/>
+          <a:srcRect/>
+          <a:stretch>
+            <a:fillRect/>
+          </a:stretch>
+        </p:blipFill>
+        <p:spPr bwMode="auto">
+          <a:xfrm>
+            <a:off x="228600" y="1752600"/>
+            <a:ext cx="8534400" cy="2190750"/>
+          </a:xfrm>
+          <a:prstGeom prst="rect">
+            <a:avLst/>
+          </a:prstGeom>
+          <a:noFill/>
+          <a:ln w="9525">
+            <a:noFill/>
+            <a:miter lim="800000"/>
+            <a:headEnd/>
+            <a:tailEnd/>
+          </a:ln>
+          <a:effectLst/>
+        </p:spPr>
+      </p:pic>
+    </p:spTree>
+  </p:cSld>
+  <p:clrMapOvr>
+    <a:masterClrMapping/>
+  </p:clrMapOvr>
+</p:sld>
+</file>
+
+<file path=ppt/slides/slide22.xml><?xml version="1.0" encoding="utf-8"?>
+<p:sld xmlns:a="http://schemas.openxmlformats.org/drawingml/2006/main" xmlns:r="http://schemas.openxmlformats.org/officeDocument/2006/relationships" xmlns:p="http://schemas.openxmlformats.org/presentationml/2006/main">
+  <p:cSld>
+    <p:spTree>
+      <p:nvGrpSpPr>
+        <p:cNvPr id="1" name=""/>
+        <p:cNvGrpSpPr/>
+        <p:nvPr/>
+      </p:nvGrpSpPr>
+      <p:grpSpPr>
+        <a:xfrm>
+          <a:off x="0" y="0"/>
+          <a:ext cx="0" cy="0"/>
+          <a:chOff x="0" y="0"/>
+          <a:chExt cx="0" cy="0"/>
+        </a:xfrm>
+      </p:grpSpPr>
+      <p:sp>
+        <p:nvSpPr>
+          <p:cNvPr id="2" name="Title 1"/>
+          <p:cNvSpPr>
+            <a:spLocks noGrp="1"/>
+          </p:cNvSpPr>
+          <p:nvPr>
+            <p:ph type="ctrTitle"/>
+          </p:nvPr>
+        </p:nvSpPr>
+        <p:spPr>
+          <a:xfrm>
+            <a:off x="0" y="228600"/>
+            <a:ext cx="8991600" cy="990600"/>
+          </a:xfrm>
+        </p:spPr>
+        <p:txBody>
+          <a:bodyPr>
+            <a:normAutofit/>
+          </a:bodyPr>
+          <a:lstStyle/>
+          <a:p>
+            <a:r>
+              <a:rPr lang="en-US" dirty="0" smtClean="0"/>
+              <a:t>What is rule to validate the chain?</a:t>
+            </a:r>
+            <a:endParaRPr lang="en-US" dirty="0"/>
+          </a:p>
+        </p:txBody>
+      </p:sp>
+      <p:sp>
+        <p:nvSpPr>
+          <p:cNvPr id="5" name="Rectangle 4"/>
+          <p:cNvSpPr/>
+          <p:nvPr/>
+        </p:nvSpPr>
+        <p:spPr>
+          <a:xfrm>
+            <a:off x="838200" y="1371600"/>
+            <a:ext cx="7848600" cy="1477328"/>
+          </a:xfrm>
+          <a:prstGeom prst="rect">
+            <a:avLst/>
+          </a:prstGeom>
+        </p:spPr>
+        <p:txBody>
+          <a:bodyPr wrap="square">
+            <a:spAutoFit/>
+          </a:bodyPr>
+          <a:lstStyle/>
+          <a:p>
+            <a:r>
+              <a:rPr lang="en-US" dirty="0" smtClean="0"/>
+              <a:t>(1) Accept </a:t>
+            </a:r>
+            <a:r>
+              <a:rPr lang="en-US" dirty="0" smtClean="0"/>
+              <a:t>the longer chain of block</a:t>
+            </a:r>
+          </a:p>
+          <a:p>
+            <a:r>
+              <a:rPr lang="en-US" dirty="0" smtClean="0"/>
+              <a:t>(2) Agreed </a:t>
+            </a:r>
+            <a:r>
+              <a:rPr lang="en-US" dirty="0" smtClean="0"/>
+              <a:t>upon is which has most data in it</a:t>
+            </a:r>
+          </a:p>
+          <a:p>
+            <a:r>
+              <a:rPr lang="en-US" dirty="0" smtClean="0"/>
+              <a:t>(3)It </a:t>
+            </a:r>
+            <a:r>
+              <a:rPr lang="en-US" dirty="0" smtClean="0"/>
+              <a:t>reduce problem for fork</a:t>
+            </a:r>
+          </a:p>
+          <a:p>
+            <a:r>
+              <a:rPr lang="en-US" dirty="0" smtClean="0"/>
+              <a:t>which means If Miner A and B </a:t>
+            </a:r>
+            <a:r>
+              <a:rPr lang="en-US" dirty="0" smtClean="0"/>
+              <a:t>submit </a:t>
+            </a:r>
+            <a:r>
+              <a:rPr lang="en-US" dirty="0" smtClean="0"/>
+              <a:t>Block of size 1, not Half of Miner may have value of A and Half Of Value B</a:t>
+            </a:r>
+            <a:endParaRPr lang="en-US" dirty="0"/>
+          </a:p>
+        </p:txBody>
+      </p:sp>
+      <p:pic>
+        <p:nvPicPr>
+          <p:cNvPr id="5122" name="Picture 2"/>
+          <p:cNvPicPr>
+            <a:picLocks noChangeAspect="1" noChangeArrowheads="1"/>
+          </p:cNvPicPr>
+          <p:nvPr/>
+        </p:nvPicPr>
+        <p:blipFill>
+          <a:blip r:embed="rId2"/>
+          <a:srcRect/>
+          <a:stretch>
+            <a:fillRect/>
+          </a:stretch>
+        </p:blipFill>
+        <p:spPr bwMode="auto">
+          <a:xfrm>
+            <a:off x="609600" y="2819400"/>
+            <a:ext cx="6934200" cy="2968380"/>
+          </a:xfrm>
+          <a:prstGeom prst="rect">
+            <a:avLst/>
+          </a:prstGeom>
+          <a:noFill/>
+          <a:ln w="9525">
+            <a:noFill/>
+            <a:miter lim="800000"/>
+            <a:headEnd/>
+            <a:tailEnd/>
+          </a:ln>
+          <a:effectLst/>
+        </p:spPr>
+      </p:pic>
+      <p:sp>
+        <p:nvSpPr>
+          <p:cNvPr id="7" name="Rectangle 6"/>
+          <p:cNvSpPr/>
+          <p:nvPr/>
+        </p:nvSpPr>
+        <p:spPr>
+          <a:xfrm>
+            <a:off x="1371600" y="6172200"/>
+            <a:ext cx="5410200" cy="646331"/>
+          </a:xfrm>
+          <a:prstGeom prst="rect">
+            <a:avLst/>
+          </a:prstGeom>
+        </p:spPr>
+        <p:txBody>
+          <a:bodyPr wrap="square">
+            <a:spAutoFit/>
+          </a:bodyPr>
+          <a:lstStyle/>
+          <a:p>
+            <a:r>
+              <a:rPr lang="en-US" dirty="0" smtClean="0"/>
+              <a:t>Code</a:t>
+            </a:r>
+            <a:br>
+              <a:rPr lang="en-US" dirty="0" smtClean="0"/>
+            </a:br>
+            <a:r>
+              <a:rPr lang="en-US" dirty="0" smtClean="0"/>
+              <a:t>blockchain/index.js  /</a:t>
+            </a:r>
+            <a:r>
+              <a:rPr lang="en-US" dirty="0" smtClean="0"/>
+              <a:t> isValidChain</a:t>
+            </a:r>
+            <a:endParaRPr lang="en-US" dirty="0"/>
+          </a:p>
+        </p:txBody>
+      </p:sp>
+    </p:spTree>
+  </p:cSld>
+  <p:clrMapOvr>
+    <a:masterClrMapping/>
+  </p:clrMapOvr>
+</p:sld>
+</file>
+
+<file path=ppt/slides/slide23.xml><?xml version="1.0" encoding="utf-8"?>
+<p:sld xmlns:a="http://schemas.openxmlformats.org/drawingml/2006/main" xmlns:r="http://schemas.openxmlformats.org/officeDocument/2006/relationships" xmlns:p="http://schemas.openxmlformats.org/presentationml/2006/main">
+  <p:cSld>
+    <p:spTree>
+      <p:nvGrpSpPr>
+        <p:cNvPr id="1" name=""/>
+        <p:cNvGrpSpPr/>
+        <p:nvPr/>
+      </p:nvGrpSpPr>
+      <p:grpSpPr>
+        <a:xfrm>
+          <a:off x="0" y="0"/>
+          <a:ext cx="0" cy="0"/>
+          <a:chOff x="0" y="0"/>
+          <a:chExt cx="0" cy="0"/>
+        </a:xfrm>
+      </p:grpSpPr>
+      <p:sp>
+        <p:nvSpPr>
+          <p:cNvPr id="2" name="Title 1"/>
+          <p:cNvSpPr>
+            <a:spLocks noGrp="1"/>
+          </p:cNvSpPr>
+          <p:nvPr>
+            <p:ph type="ctrTitle"/>
+          </p:nvPr>
+        </p:nvSpPr>
+        <p:spPr>
+          <a:xfrm>
+            <a:off x="0" y="228600"/>
+            <a:ext cx="8991600" cy="990600"/>
+          </a:xfrm>
+        </p:spPr>
+        <p:txBody>
+          <a:bodyPr>
+            <a:normAutofit/>
+          </a:bodyPr>
+          <a:lstStyle/>
+          <a:p>
+            <a:r>
+              <a:rPr lang="en-US" dirty="0" smtClean="0"/>
+              <a:t>What is rule to validate the chain?</a:t>
+            </a:r>
+            <a:endParaRPr lang="en-US" dirty="0"/>
+          </a:p>
+        </p:txBody>
+      </p:sp>
+      <p:pic>
+        <p:nvPicPr>
+          <p:cNvPr id="6146" name="Picture 2"/>
+          <p:cNvPicPr>
+            <a:picLocks noChangeAspect="1" noChangeArrowheads="1"/>
+          </p:cNvPicPr>
+          <p:nvPr/>
+        </p:nvPicPr>
+        <p:blipFill>
+          <a:blip r:embed="rId2"/>
+          <a:srcRect/>
+          <a:stretch>
+            <a:fillRect/>
+          </a:stretch>
+        </p:blipFill>
+        <p:spPr bwMode="auto">
+          <a:xfrm>
+            <a:off x="609600" y="1905000"/>
+            <a:ext cx="7991475" cy="3533775"/>
+          </a:xfrm>
+          <a:prstGeom prst="rect">
+            <a:avLst/>
+          </a:prstGeom>
+          <a:noFill/>
+          <a:ln w="9525">
+            <a:noFill/>
+            <a:miter lim="800000"/>
+            <a:headEnd/>
+            <a:tailEnd/>
+          </a:ln>
+          <a:effectLst/>
+        </p:spPr>
+      </p:pic>
+      <p:sp>
+        <p:nvSpPr>
+          <p:cNvPr id="6" name="Rectangle 5"/>
+          <p:cNvSpPr/>
+          <p:nvPr/>
+        </p:nvSpPr>
+        <p:spPr>
+          <a:xfrm>
+            <a:off x="1371600" y="6172200"/>
+            <a:ext cx="5410200" cy="646331"/>
+          </a:xfrm>
+          <a:prstGeom prst="rect">
+            <a:avLst/>
+          </a:prstGeom>
+        </p:spPr>
+        <p:txBody>
+          <a:bodyPr wrap="square">
+            <a:spAutoFit/>
+          </a:bodyPr>
+          <a:lstStyle/>
+          <a:p>
+            <a:r>
+              <a:rPr lang="en-US" dirty="0" smtClean="0"/>
+              <a:t>Code</a:t>
+            </a:r>
+            <a:br>
+              <a:rPr lang="en-US" dirty="0" smtClean="0"/>
+            </a:br>
+            <a:r>
+              <a:rPr lang="en-US" dirty="0" smtClean="0"/>
+              <a:t>blockchain/index.js  /</a:t>
+            </a:r>
+            <a:r>
+              <a:rPr lang="en-US" dirty="0" smtClean="0"/>
+              <a:t> isValidChain</a:t>
+            </a:r>
+            <a:endParaRPr lang="en-US" dirty="0"/>
+          </a:p>
+        </p:txBody>
+      </p:sp>
+    </p:spTree>
+  </p:cSld>
+  <p:clrMapOvr>
+    <a:masterClrMapping/>
+  </p:clrMapOvr>
+</p:sld>
+</file>
+
+<file path=ppt/slides/slide24.xml><?xml version="1.0" encoding="utf-8"?>
+<p:sld xmlns:a="http://schemas.openxmlformats.org/drawingml/2006/main" xmlns:r="http://schemas.openxmlformats.org/officeDocument/2006/relationships" xmlns:p="http://schemas.openxmlformats.org/presentationml/2006/main">
+  <p:cSld>
+    <p:spTree>
+      <p:nvGrpSpPr>
+        <p:cNvPr id="1" name=""/>
+        <p:cNvGrpSpPr/>
+        <p:nvPr/>
+      </p:nvGrpSpPr>
+      <p:grpSpPr>
+        <a:xfrm>
+          <a:off x="0" y="0"/>
+          <a:ext cx="0" cy="0"/>
+          <a:chOff x="0" y="0"/>
+          <a:chExt cx="0" cy="0"/>
+        </a:xfrm>
+      </p:grpSpPr>
+      <p:sp>
+        <p:nvSpPr>
+          <p:cNvPr id="2" name="Title 1"/>
+          <p:cNvSpPr>
+            <a:spLocks noGrp="1"/>
+          </p:cNvSpPr>
+          <p:nvPr>
+            <p:ph type="ctrTitle"/>
+          </p:nvPr>
+        </p:nvSpPr>
+        <p:spPr>
+          <a:xfrm>
+            <a:off x="0" y="228600"/>
+            <a:ext cx="8991600" cy="990600"/>
+          </a:xfrm>
+        </p:spPr>
+        <p:txBody>
+          <a:bodyPr>
+            <a:normAutofit/>
+          </a:bodyPr>
+          <a:lstStyle/>
+          <a:p>
+            <a:r>
+              <a:rPr lang="en-US" dirty="0" smtClean="0"/>
+              <a:t>What is rule to validate the chain?</a:t>
+            </a:r>
+            <a:endParaRPr lang="en-US" dirty="0"/>
+          </a:p>
+        </p:txBody>
+      </p:sp>
+      <p:pic>
+        <p:nvPicPr>
+          <p:cNvPr id="7170" name="Picture 2"/>
+          <p:cNvPicPr>
+            <a:picLocks noChangeAspect="1" noChangeArrowheads="1"/>
+          </p:cNvPicPr>
+          <p:nvPr/>
+        </p:nvPicPr>
+        <p:blipFill>
+          <a:blip r:embed="rId2"/>
+          <a:srcRect/>
+          <a:stretch>
+            <a:fillRect/>
+          </a:stretch>
+        </p:blipFill>
+        <p:spPr bwMode="auto">
+          <a:xfrm>
+            <a:off x="0" y="1233488"/>
+            <a:ext cx="8305799" cy="4391025"/>
+          </a:xfrm>
+          <a:prstGeom prst="rect">
+            <a:avLst/>
+          </a:prstGeom>
+          <a:noFill/>
+          <a:ln w="9525">
+            <a:noFill/>
+            <a:miter lim="800000"/>
+            <a:headEnd/>
+            <a:tailEnd/>
+          </a:ln>
+          <a:effectLst/>
+        </p:spPr>
+      </p:pic>
+      <p:sp>
+        <p:nvSpPr>
+          <p:cNvPr id="5" name="Rectangle 4"/>
+          <p:cNvSpPr/>
+          <p:nvPr/>
+        </p:nvSpPr>
+        <p:spPr>
+          <a:xfrm>
+            <a:off x="1371600" y="6172200"/>
+            <a:ext cx="5410200" cy="646331"/>
+          </a:xfrm>
+          <a:prstGeom prst="rect">
+            <a:avLst/>
+          </a:prstGeom>
+        </p:spPr>
+        <p:txBody>
+          <a:bodyPr wrap="square">
+            <a:spAutoFit/>
+          </a:bodyPr>
+          <a:lstStyle/>
+          <a:p>
+            <a:r>
+              <a:rPr lang="en-US" dirty="0" smtClean="0"/>
+              <a:t>Code</a:t>
+            </a:r>
+            <a:br>
+              <a:rPr lang="en-US" dirty="0" smtClean="0"/>
+            </a:br>
+            <a:r>
+              <a:rPr lang="en-US" dirty="0" smtClean="0"/>
+              <a:t>blockchain/index.js  /</a:t>
+            </a:r>
+            <a:r>
+              <a:rPr lang="en-US" dirty="0" smtClean="0"/>
+              <a:t> isValidChain</a:t>
+            </a:r>
+            <a:endParaRPr lang="en-US" dirty="0"/>
+          </a:p>
+        </p:txBody>
+      </p:sp>
+    </p:spTree>
+  </p:cSld>
+  <p:clrMapOvr>
+    <a:masterClrMapping/>
+  </p:clrMapOvr>
+</p:sld>
+</file>
+
+<file path=ppt/slides/slide25.xml><?xml version="1.0" encoding="utf-8"?>
+<p:sld xmlns:a="http://schemas.openxmlformats.org/drawingml/2006/main" xmlns:r="http://schemas.openxmlformats.org/officeDocument/2006/relationships" xmlns:p="http://schemas.openxmlformats.org/presentationml/2006/main">
+  <p:cSld>
+    <p:spTree>
+      <p:nvGrpSpPr>
+        <p:cNvPr id="1" name=""/>
+        <p:cNvGrpSpPr/>
+        <p:nvPr/>
+      </p:nvGrpSpPr>
+      <p:grpSpPr>
+        <a:xfrm>
+          <a:off x="0" y="0"/>
+          <a:ext cx="0" cy="0"/>
+          <a:chOff x="0" y="0"/>
+          <a:chExt cx="0" cy="0"/>
+        </a:xfrm>
+      </p:grpSpPr>
+      <p:sp>
+        <p:nvSpPr>
+          <p:cNvPr id="2" name="Title 1"/>
+          <p:cNvSpPr>
+            <a:spLocks noGrp="1"/>
+          </p:cNvSpPr>
+          <p:nvPr>
+            <p:ph type="ctrTitle"/>
+          </p:nvPr>
+        </p:nvSpPr>
+        <p:spPr>
+          <a:xfrm>
+            <a:off x="0" y="228600"/>
+            <a:ext cx="8991600" cy="990600"/>
+          </a:xfrm>
+        </p:spPr>
+        <p:txBody>
+          <a:bodyPr>
+            <a:normAutofit/>
+          </a:bodyPr>
+          <a:lstStyle/>
+          <a:p>
+            <a:r>
+              <a:rPr lang="en-US" dirty="0" smtClean="0"/>
+              <a:t>What is rule to validate the chain?</a:t>
+            </a:r>
+            <a:endParaRPr lang="en-US" dirty="0"/>
+          </a:p>
+        </p:txBody>
+      </p:sp>
+      <p:pic>
+        <p:nvPicPr>
+          <p:cNvPr id="8194" name="Picture 2"/>
+          <p:cNvPicPr>
+            <a:picLocks noChangeAspect="1" noChangeArrowheads="1"/>
+          </p:cNvPicPr>
+          <p:nvPr/>
+        </p:nvPicPr>
+        <p:blipFill>
+          <a:blip r:embed="rId2"/>
+          <a:srcRect/>
+          <a:stretch>
+            <a:fillRect/>
+          </a:stretch>
+        </p:blipFill>
+        <p:spPr bwMode="auto">
+          <a:xfrm>
+            <a:off x="0" y="1752600"/>
+            <a:ext cx="9185809" cy="3743325"/>
+          </a:xfrm>
+          <a:prstGeom prst="rect">
+            <a:avLst/>
+          </a:prstGeom>
+          <a:noFill/>
+          <a:ln w="9525">
+            <a:noFill/>
+            <a:miter lim="800000"/>
+            <a:headEnd/>
+            <a:tailEnd/>
+          </a:ln>
+          <a:effectLst/>
+        </p:spPr>
+      </p:pic>
+      <p:sp>
+        <p:nvSpPr>
+          <p:cNvPr id="5" name="Rectangle 4"/>
+          <p:cNvSpPr/>
+          <p:nvPr/>
+        </p:nvSpPr>
+        <p:spPr>
+          <a:xfrm>
+            <a:off x="1371600" y="6172200"/>
+            <a:ext cx="5410200" cy="646331"/>
+          </a:xfrm>
+          <a:prstGeom prst="rect">
+            <a:avLst/>
+          </a:prstGeom>
+        </p:spPr>
+        <p:txBody>
+          <a:bodyPr wrap="square">
+            <a:spAutoFit/>
+          </a:bodyPr>
+          <a:lstStyle/>
+          <a:p>
+            <a:r>
+              <a:rPr lang="en-US" dirty="0" smtClean="0"/>
+              <a:t>Code</a:t>
+            </a:r>
+            <a:br>
+              <a:rPr lang="en-US" dirty="0" smtClean="0"/>
+            </a:br>
+            <a:r>
+              <a:rPr lang="en-US" dirty="0" smtClean="0"/>
+              <a:t>blockchain/index.js  /</a:t>
+            </a:r>
+            <a:r>
+              <a:rPr lang="en-US" dirty="0" smtClean="0"/>
+              <a:t> isValidChain</a:t>
+            </a:r>
+            <a:endParaRPr lang="en-US" dirty="0"/>
+          </a:p>
+        </p:txBody>
+      </p:sp>
+    </p:spTree>
+  </p:cSld>
+  <p:clrMapOvr>
+    <a:masterClrMapping/>
+  </p:clrMapOvr>
+</p:sld>
+</file>
+
+<file path=ppt/slides/slide26.xml><?xml version="1.0" encoding="utf-8"?>
+<p:sld xmlns:a="http://schemas.openxmlformats.org/drawingml/2006/main" xmlns:r="http://schemas.openxmlformats.org/officeDocument/2006/relationships" xmlns:p="http://schemas.openxmlformats.org/presentationml/2006/main">
+  <p:cSld>
+    <p:spTree>
+      <p:nvGrpSpPr>
+        <p:cNvPr id="1" name=""/>
+        <p:cNvGrpSpPr/>
+        <p:nvPr/>
+      </p:nvGrpSpPr>
+      <p:grpSpPr>
+        <a:xfrm>
+          <a:off x="0" y="0"/>
+          <a:ext cx="0" cy="0"/>
+          <a:chOff x="0" y="0"/>
+          <a:chExt cx="0" cy="0"/>
+        </a:xfrm>
+      </p:grpSpPr>
+      <p:sp>
+        <p:nvSpPr>
+          <p:cNvPr id="2" name="Title 1"/>
+          <p:cNvSpPr>
+            <a:spLocks noGrp="1"/>
+          </p:cNvSpPr>
+          <p:nvPr>
+            <p:ph type="ctrTitle"/>
+          </p:nvPr>
+        </p:nvSpPr>
+        <p:spPr>
+          <a:xfrm>
+            <a:off x="0" y="228600"/>
+            <a:ext cx="8991600" cy="990600"/>
+          </a:xfrm>
+        </p:spPr>
+        <p:txBody>
+          <a:bodyPr>
+            <a:normAutofit fontScale="90000"/>
+          </a:bodyPr>
+          <a:lstStyle/>
+          <a:p>
+            <a:r>
+              <a:rPr lang="en-US" dirty="0" smtClean="0"/>
+              <a:t>Ok, I Got it How chain is validated, Now How chain is updated ?</a:t>
+            </a:r>
+            <a:endParaRPr lang="en-US" dirty="0"/>
+          </a:p>
+        </p:txBody>
+      </p:sp>
+      <p:sp>
+        <p:nvSpPr>
+          <p:cNvPr id="5" name="Rectangle 4"/>
+          <p:cNvSpPr/>
+          <p:nvPr/>
+        </p:nvSpPr>
+        <p:spPr>
+          <a:xfrm>
+            <a:off x="1371600" y="6172200"/>
+            <a:ext cx="5410200" cy="646331"/>
+          </a:xfrm>
+          <a:prstGeom prst="rect">
+            <a:avLst/>
+          </a:prstGeom>
+        </p:spPr>
+        <p:txBody>
+          <a:bodyPr wrap="square">
+            <a:spAutoFit/>
+          </a:bodyPr>
+          <a:lstStyle/>
+          <a:p>
+            <a:r>
+              <a:rPr lang="en-US" dirty="0" smtClean="0"/>
+              <a:t>Code</a:t>
+            </a:r>
+            <a:br>
+              <a:rPr lang="en-US" dirty="0" smtClean="0"/>
+            </a:br>
+            <a:r>
+              <a:rPr lang="en-US" dirty="0" smtClean="0"/>
+              <a:t>blockchain/index.js  /</a:t>
+            </a:r>
+            <a:r>
+              <a:rPr lang="en-US" dirty="0" smtClean="0"/>
+              <a:t> </a:t>
+            </a:r>
+            <a:r>
+              <a:rPr lang="en-US" dirty="0" smtClean="0"/>
+              <a:t>isValidChain /</a:t>
+            </a:r>
+            <a:r>
+              <a:rPr lang="en-US" dirty="0" smtClean="0"/>
+              <a:t> replaceChain </a:t>
+            </a:r>
+            <a:endParaRPr lang="en-US" dirty="0"/>
+          </a:p>
+        </p:txBody>
+      </p:sp>
+      <p:sp>
+        <p:nvSpPr>
+          <p:cNvPr id="6" name="Rectangle 5"/>
+          <p:cNvSpPr/>
+          <p:nvPr/>
+        </p:nvSpPr>
+        <p:spPr>
+          <a:xfrm>
+            <a:off x="1219200" y="1600200"/>
+            <a:ext cx="7315200" cy="1754326"/>
+          </a:xfrm>
+          <a:prstGeom prst="rect">
+            <a:avLst/>
+          </a:prstGeom>
+        </p:spPr>
+        <p:txBody>
+          <a:bodyPr wrap="square">
+            <a:spAutoFit/>
+          </a:bodyPr>
+          <a:lstStyle/>
+          <a:p>
+            <a:r>
+              <a:rPr lang="en-US" dirty="0" smtClean="0"/>
+              <a:t>For that there method </a:t>
+            </a:r>
+            <a:r>
+              <a:rPr lang="en-US" dirty="0" smtClean="0"/>
+              <a:t>replaceChain </a:t>
+            </a:r>
+            <a:r>
+              <a:rPr lang="en-US" dirty="0" smtClean="0"/>
+              <a:t>in file</a:t>
+            </a:r>
+          </a:p>
+          <a:p>
+            <a:r>
+              <a:rPr lang="en-US" dirty="0" smtClean="0"/>
+              <a:t>what is does check </a:t>
+            </a:r>
+          </a:p>
+          <a:p>
+            <a:r>
+              <a:rPr lang="en-US" dirty="0" smtClean="0"/>
+              <a:t>(1) Used the longest chain as shown slide </a:t>
+            </a:r>
+            <a:r>
+              <a:rPr lang="en-US" dirty="0" smtClean="0"/>
+              <a:t>before</a:t>
+            </a:r>
+            <a:endParaRPr lang="en-US" dirty="0" smtClean="0"/>
+          </a:p>
+          <a:p>
+            <a:r>
+              <a:rPr lang="en-US" dirty="0" smtClean="0"/>
+              <a:t>(2) validation of </a:t>
+            </a:r>
+            <a:r>
+              <a:rPr lang="en-US" dirty="0" smtClean="0"/>
+              <a:t>chain with </a:t>
+            </a:r>
+            <a:r>
+              <a:rPr lang="en-US" dirty="0" smtClean="0"/>
+              <a:t>method isValidChain</a:t>
+            </a:r>
+          </a:p>
+          <a:p>
+            <a:r>
+              <a:rPr lang="en-US" dirty="0" smtClean="0"/>
+              <a:t>(3) Then we replace our current chain with new Chain</a:t>
+            </a:r>
+          </a:p>
+          <a:p>
+            <a:endParaRPr lang="en-US" dirty="0"/>
+          </a:p>
+        </p:txBody>
+      </p:sp>
+      <p:pic>
+        <p:nvPicPr>
+          <p:cNvPr id="9218" name="Picture 2"/>
+          <p:cNvPicPr>
+            <a:picLocks noChangeAspect="1" noChangeArrowheads="1"/>
+          </p:cNvPicPr>
+          <p:nvPr/>
+        </p:nvPicPr>
+        <p:blipFill>
+          <a:blip r:embed="rId2"/>
+          <a:srcRect/>
+          <a:stretch>
+            <a:fillRect/>
+          </a:stretch>
+        </p:blipFill>
+        <p:spPr bwMode="auto">
+          <a:xfrm>
+            <a:off x="609600" y="3276600"/>
+            <a:ext cx="2932800" cy="1981200"/>
+          </a:xfrm>
+          <a:prstGeom prst="rect">
+            <a:avLst/>
+          </a:prstGeom>
+          <a:noFill/>
+          <a:ln w="9525">
+            <a:noFill/>
+            <a:miter lim="800000"/>
+            <a:headEnd/>
+            <a:tailEnd/>
+          </a:ln>
+          <a:effectLst/>
+        </p:spPr>
+      </p:pic>
+      <p:pic>
+        <p:nvPicPr>
+          <p:cNvPr id="9219" name="Picture 3"/>
+          <p:cNvPicPr>
+            <a:picLocks noChangeAspect="1" noChangeArrowheads="1"/>
+          </p:cNvPicPr>
+          <p:nvPr/>
+        </p:nvPicPr>
+        <p:blipFill>
+          <a:blip r:embed="rId3"/>
+          <a:srcRect/>
+          <a:stretch>
+            <a:fillRect/>
+          </a:stretch>
+        </p:blipFill>
+        <p:spPr bwMode="auto">
+          <a:xfrm>
+            <a:off x="5334000" y="3048000"/>
+            <a:ext cx="3200400" cy="2113156"/>
+          </a:xfrm>
+          <a:prstGeom prst="rect">
+            <a:avLst/>
+          </a:prstGeom>
+          <a:noFill/>
+          <a:ln w="9525">
+            <a:noFill/>
+            <a:miter lim="800000"/>
+            <a:headEnd/>
+            <a:tailEnd/>
+          </a:ln>
+          <a:effectLst/>
+        </p:spPr>
+      </p:pic>
+      <p:pic>
+        <p:nvPicPr>
+          <p:cNvPr id="9220" name="Picture 4"/>
+          <p:cNvPicPr>
+            <a:picLocks noChangeAspect="1" noChangeArrowheads="1"/>
+          </p:cNvPicPr>
+          <p:nvPr/>
+        </p:nvPicPr>
+        <p:blipFill>
+          <a:blip r:embed="rId4" cstate="print"/>
+          <a:srcRect/>
+          <a:stretch>
+            <a:fillRect/>
+          </a:stretch>
+        </p:blipFill>
+        <p:spPr bwMode="auto">
+          <a:xfrm>
+            <a:off x="3764340" y="3505200"/>
+            <a:ext cx="1264860" cy="409574"/>
+          </a:xfrm>
+          <a:prstGeom prst="rect">
+            <a:avLst/>
+          </a:prstGeom>
+          <a:noFill/>
+          <a:ln w="9525">
+            <a:noFill/>
+            <a:miter lim="800000"/>
+            <a:headEnd/>
+            <a:tailEnd/>
+          </a:ln>
+          <a:effectLst/>
+        </p:spPr>
+      </p:pic>
+    </p:spTree>
+  </p:cSld>
+  <p:clrMapOvr>
+    <a:masterClrMapping/>
+  </p:clrMapOvr>
+</p:sld>
+</file>
+
+<file path=ppt/slides/slide27.xml><?xml version="1.0" encoding="utf-8"?>
+<p:sld xmlns:a="http://schemas.openxmlformats.org/drawingml/2006/main" xmlns:r="http://schemas.openxmlformats.org/officeDocument/2006/relationships" xmlns:p="http://schemas.openxmlformats.org/presentationml/2006/main">
+  <p:cSld>
+    <p:spTree>
+      <p:nvGrpSpPr>
+        <p:cNvPr id="1" name=""/>
+        <p:cNvGrpSpPr/>
+        <p:nvPr/>
+      </p:nvGrpSpPr>
+      <p:grpSpPr>
+        <a:xfrm>
+          <a:off x="0" y="0"/>
+          <a:ext cx="0" cy="0"/>
+          <a:chOff x="0" y="0"/>
+          <a:chExt cx="0" cy="0"/>
+        </a:xfrm>
+      </p:grpSpPr>
+      <p:sp>
+        <p:nvSpPr>
+          <p:cNvPr id="2" name="Title 1"/>
+          <p:cNvSpPr>
+            <a:spLocks noGrp="1"/>
+          </p:cNvSpPr>
+          <p:nvPr>
+            <p:ph type="ctrTitle"/>
+          </p:nvPr>
+        </p:nvSpPr>
+        <p:spPr>
+          <a:xfrm>
+            <a:off x="0" y="228600"/>
+            <a:ext cx="8991600" cy="990600"/>
+          </a:xfrm>
+        </p:spPr>
+        <p:txBody>
+          <a:bodyPr>
+            <a:normAutofit fontScale="90000"/>
+          </a:bodyPr>
+          <a:lstStyle/>
+          <a:p>
+            <a:r>
+              <a:rPr lang="en-US" dirty="0" smtClean="0"/>
+              <a:t>What are you using for communicate with different node?</a:t>
+            </a:r>
+            <a:endParaRPr lang="en-US" dirty="0"/>
+          </a:p>
+        </p:txBody>
+      </p:sp>
+      <p:sp>
+        <p:nvSpPr>
+          <p:cNvPr id="5" name="Rectangle 4"/>
+          <p:cNvSpPr/>
+          <p:nvPr/>
+        </p:nvSpPr>
+        <p:spPr>
+          <a:xfrm>
+            <a:off x="1371600" y="6172200"/>
+            <a:ext cx="5410200" cy="646331"/>
+          </a:xfrm>
+          <a:prstGeom prst="rect">
+            <a:avLst/>
+          </a:prstGeom>
+        </p:spPr>
+        <p:txBody>
+          <a:bodyPr wrap="square">
+            <a:spAutoFit/>
+          </a:bodyPr>
+          <a:lstStyle/>
+          <a:p>
+            <a:r>
+              <a:rPr lang="en-US" dirty="0" smtClean="0"/>
+              <a:t>Code</a:t>
+            </a:r>
+            <a:r>
+              <a:rPr lang="en-US" dirty="0" smtClean="0"/>
+              <a:t/>
+            </a:r>
+            <a:br>
+              <a:rPr lang="en-US" dirty="0" smtClean="0"/>
+            </a:br>
+            <a:r>
+              <a:rPr lang="en-US" dirty="0" smtClean="0"/>
+              <a:t> app/p2p-server.js </a:t>
+            </a:r>
+            <a:endParaRPr lang="en-US" dirty="0"/>
+          </a:p>
+        </p:txBody>
+      </p:sp>
+      <p:pic>
+        <p:nvPicPr>
+          <p:cNvPr id="10242" name="Picture 2"/>
+          <p:cNvPicPr>
+            <a:picLocks noChangeAspect="1" noChangeArrowheads="1"/>
+          </p:cNvPicPr>
+          <p:nvPr/>
+        </p:nvPicPr>
+        <p:blipFill>
+          <a:blip r:embed="rId2"/>
+          <a:srcRect/>
+          <a:stretch>
+            <a:fillRect/>
+          </a:stretch>
+        </p:blipFill>
+        <p:spPr bwMode="auto">
+          <a:xfrm>
+            <a:off x="0" y="3048000"/>
+            <a:ext cx="9143999" cy="2897305"/>
+          </a:xfrm>
+          <a:prstGeom prst="rect">
+            <a:avLst/>
+          </a:prstGeom>
+          <a:noFill/>
+          <a:ln w="9525">
+            <a:noFill/>
+            <a:miter lim="800000"/>
+            <a:headEnd/>
+            <a:tailEnd/>
+          </a:ln>
+          <a:effectLst/>
+        </p:spPr>
+      </p:pic>
+      <p:sp>
+        <p:nvSpPr>
+          <p:cNvPr id="9" name="Rectangle 8"/>
+          <p:cNvSpPr/>
+          <p:nvPr/>
+        </p:nvSpPr>
+        <p:spPr>
+          <a:xfrm>
+            <a:off x="0" y="1752600"/>
+            <a:ext cx="8458200" cy="923330"/>
+          </a:xfrm>
+          <a:prstGeom prst="rect">
+            <a:avLst/>
+          </a:prstGeom>
+        </p:spPr>
+        <p:txBody>
+          <a:bodyPr wrap="square">
+            <a:spAutoFit/>
+          </a:bodyPr>
+          <a:lstStyle/>
+          <a:p>
+            <a:r>
+              <a:rPr lang="en-US" dirty="0" smtClean="0"/>
+              <a:t>(1)The </a:t>
+            </a:r>
+            <a:r>
+              <a:rPr lang="en-US" dirty="0" smtClean="0"/>
+              <a:t>First app to Start peer-to peer server</a:t>
+            </a:r>
+          </a:p>
+          <a:p>
+            <a:r>
+              <a:rPr lang="en-US" dirty="0" smtClean="0"/>
+              <a:t>(</a:t>
+            </a:r>
+            <a:r>
+              <a:rPr lang="en-US" dirty="0" smtClean="0"/>
+              <a:t>2) A later server connecting to the </a:t>
+            </a:r>
+            <a:r>
+              <a:rPr lang="en-US" dirty="0" smtClean="0"/>
+              <a:t>original</a:t>
+            </a:r>
+            <a:br>
+              <a:rPr lang="en-US" dirty="0" smtClean="0"/>
+            </a:br>
+            <a:r>
+              <a:rPr lang="en-US" dirty="0" smtClean="0"/>
+              <a:t>(3) We are using WebSocket for communication</a:t>
+            </a:r>
+            <a:endParaRPr lang="en-US" dirty="0"/>
+          </a:p>
+        </p:txBody>
+      </p:sp>
+    </p:spTree>
+  </p:cSld>
+  <p:clrMapOvr>
+    <a:masterClrMapping/>
+  </p:clrMapOvr>
+</p:sld>
+</file>
+
+<file path=ppt/slides/slide28.xml><?xml version="1.0" encoding="utf-8"?>
+<p:sld xmlns:a="http://schemas.openxmlformats.org/drawingml/2006/main" xmlns:r="http://schemas.openxmlformats.org/officeDocument/2006/relationships" xmlns:p="http://schemas.openxmlformats.org/presentationml/2006/main">
+  <p:cSld>
+    <p:spTree>
+      <p:nvGrpSpPr>
+        <p:cNvPr id="1" name=""/>
+        <p:cNvGrpSpPr/>
+        <p:nvPr/>
+      </p:nvGrpSpPr>
+      <p:grpSpPr>
+        <a:xfrm>
+          <a:off x="0" y="0"/>
+          <a:ext cx="0" cy="0"/>
+          <a:chOff x="0" y="0"/>
+          <a:chExt cx="0" cy="0"/>
+        </a:xfrm>
+      </p:grpSpPr>
+      <p:sp>
+        <p:nvSpPr>
+          <p:cNvPr id="2" name="Title 1"/>
+          <p:cNvSpPr>
+            <a:spLocks noGrp="1"/>
+          </p:cNvSpPr>
+          <p:nvPr>
+            <p:ph type="ctrTitle"/>
+          </p:nvPr>
+        </p:nvSpPr>
+        <p:spPr>
+          <a:xfrm>
+            <a:off x="0" y="228600"/>
+            <a:ext cx="8991600" cy="990600"/>
+          </a:xfrm>
+        </p:spPr>
+        <p:txBody>
+          <a:bodyPr>
+            <a:normAutofit/>
+          </a:bodyPr>
+          <a:lstStyle/>
+          <a:p>
+            <a:r>
+              <a:rPr lang="en-US" dirty="0" smtClean="0"/>
+              <a:t>How every thing </a:t>
+            </a:r>
+            <a:r>
+              <a:rPr lang="en-US" dirty="0" smtClean="0"/>
+              <a:t>is synchronized? </a:t>
+            </a:r>
+            <a:endParaRPr lang="en-US" dirty="0"/>
+          </a:p>
+        </p:txBody>
+      </p:sp>
+      <p:sp>
+        <p:nvSpPr>
+          <p:cNvPr id="5" name="Rectangle 4"/>
+          <p:cNvSpPr/>
+          <p:nvPr/>
+        </p:nvSpPr>
+        <p:spPr>
+          <a:xfrm>
+            <a:off x="1371600" y="6172200"/>
+            <a:ext cx="5410200" cy="646331"/>
+          </a:xfrm>
+          <a:prstGeom prst="rect">
+            <a:avLst/>
+          </a:prstGeom>
+        </p:spPr>
+        <p:txBody>
+          <a:bodyPr wrap="square">
+            <a:spAutoFit/>
+          </a:bodyPr>
+          <a:lstStyle/>
+          <a:p>
+            <a:r>
+              <a:rPr lang="en-US" dirty="0" smtClean="0"/>
+              <a:t>Code</a:t>
+            </a:r>
+            <a:r>
+              <a:rPr lang="en-US" dirty="0" smtClean="0"/>
+              <a:t/>
+            </a:r>
+            <a:br>
+              <a:rPr lang="en-US" dirty="0" smtClean="0"/>
+            </a:br>
+            <a:r>
+              <a:rPr lang="en-US" dirty="0" smtClean="0"/>
+              <a:t> app/p2p-server.js </a:t>
+            </a:r>
+            <a:endParaRPr lang="en-US" dirty="0"/>
+          </a:p>
+        </p:txBody>
+      </p:sp>
+      <p:sp>
+        <p:nvSpPr>
+          <p:cNvPr id="9" name="Rectangle 8"/>
+          <p:cNvSpPr/>
+          <p:nvPr/>
+        </p:nvSpPr>
+        <p:spPr>
+          <a:xfrm>
+            <a:off x="0" y="1752600"/>
+            <a:ext cx="8458200" cy="369332"/>
+          </a:xfrm>
+          <a:prstGeom prst="rect">
+            <a:avLst/>
+          </a:prstGeom>
+        </p:spPr>
+        <p:txBody>
+          <a:bodyPr wrap="square">
+            <a:spAutoFit/>
+          </a:bodyPr>
+          <a:lstStyle/>
+          <a:p>
+            <a:r>
+              <a:rPr lang="en-US" dirty="0" smtClean="0"/>
+              <a:t>(1)Every thing is Synchronized using </a:t>
+            </a:r>
+            <a:endParaRPr lang="en-US" dirty="0" smtClean="0"/>
+          </a:p>
+        </p:txBody>
+      </p:sp>
+      <p:pic>
+        <p:nvPicPr>
+          <p:cNvPr id="11266" name="Picture 2"/>
+          <p:cNvPicPr>
+            <a:picLocks noChangeAspect="1" noChangeArrowheads="1"/>
+          </p:cNvPicPr>
+          <p:nvPr/>
+        </p:nvPicPr>
+        <p:blipFill>
+          <a:blip r:embed="rId2"/>
+          <a:srcRect/>
+          <a:stretch>
+            <a:fillRect/>
+          </a:stretch>
+        </p:blipFill>
+        <p:spPr bwMode="auto">
+          <a:xfrm>
+            <a:off x="457200" y="2667000"/>
+            <a:ext cx="6696075" cy="2581275"/>
+          </a:xfrm>
+          <a:prstGeom prst="rect">
+            <a:avLst/>
+          </a:prstGeom>
+          <a:noFill/>
+          <a:ln w="9525">
+            <a:noFill/>
+            <a:miter lim="800000"/>
+            <a:headEnd/>
+            <a:tailEnd/>
+          </a:ln>
+          <a:effectLst/>
+        </p:spPr>
+      </p:pic>
+    </p:spTree>
+  </p:cSld>
+  <p:clrMapOvr>
+    <a:masterClrMapping/>
+  </p:clrMapOvr>
+</p:sld>
+</file>
+
+<file path=ppt/slides/slide29.xml><?xml version="1.0" encoding="utf-8"?>
+<p:sld xmlns:a="http://schemas.openxmlformats.org/drawingml/2006/main" xmlns:r="http://schemas.openxmlformats.org/officeDocument/2006/relationships" xmlns:p="http://schemas.openxmlformats.org/presentationml/2006/main">
+  <p:cSld>
+    <p:spTree>
+      <p:nvGrpSpPr>
+        <p:cNvPr id="1" name=""/>
+        <p:cNvGrpSpPr/>
+        <p:nvPr/>
+      </p:nvGrpSpPr>
+      <p:grpSpPr>
+        <a:xfrm>
+          <a:off x="0" y="0"/>
+          <a:ext cx="0" cy="0"/>
+          <a:chOff x="0" y="0"/>
+          <a:chExt cx="0" cy="0"/>
+        </a:xfrm>
+      </p:grpSpPr>
+      <p:sp>
+        <p:nvSpPr>
+          <p:cNvPr id="2" name="Title 1"/>
+          <p:cNvSpPr>
+            <a:spLocks noGrp="1"/>
+          </p:cNvSpPr>
+          <p:nvPr>
+            <p:ph type="ctrTitle"/>
+          </p:nvPr>
+        </p:nvSpPr>
+        <p:spPr>
+          <a:xfrm>
+            <a:off x="0" y="228600"/>
+            <a:ext cx="8991600" cy="990600"/>
+          </a:xfrm>
+        </p:spPr>
+        <p:txBody>
+          <a:bodyPr>
+            <a:normAutofit/>
+          </a:bodyPr>
+          <a:lstStyle/>
+          <a:p>
+            <a:r>
+              <a:rPr lang="en-US" dirty="0" smtClean="0"/>
+              <a:t>How every thing </a:t>
+            </a:r>
+            <a:r>
+              <a:rPr lang="en-US" dirty="0" smtClean="0"/>
+              <a:t>is synchronized? </a:t>
+            </a:r>
+            <a:endParaRPr lang="en-US" dirty="0"/>
+          </a:p>
+        </p:txBody>
+      </p:sp>
+      <p:sp>
+        <p:nvSpPr>
+          <p:cNvPr id="5" name="Rectangle 4"/>
+          <p:cNvSpPr/>
+          <p:nvPr/>
+        </p:nvSpPr>
+        <p:spPr>
+          <a:xfrm>
+            <a:off x="1371600" y="6172200"/>
+            <a:ext cx="5410200" cy="646331"/>
+          </a:xfrm>
+          <a:prstGeom prst="rect">
+            <a:avLst/>
+          </a:prstGeom>
+        </p:spPr>
+        <p:txBody>
+          <a:bodyPr wrap="square">
+            <a:spAutoFit/>
+          </a:bodyPr>
+          <a:lstStyle/>
+          <a:p>
+            <a:r>
+              <a:rPr lang="en-US" dirty="0" smtClean="0"/>
+              <a:t>Code</a:t>
+            </a:r>
+            <a:r>
+              <a:rPr lang="en-US" dirty="0" smtClean="0"/>
+              <a:t/>
+            </a:r>
+            <a:br>
+              <a:rPr lang="en-US" dirty="0" smtClean="0"/>
+            </a:br>
+            <a:r>
+              <a:rPr lang="en-US" dirty="0" smtClean="0"/>
+              <a:t> app/p2p-server.js </a:t>
+            </a:r>
+            <a:endParaRPr lang="en-US" dirty="0"/>
+          </a:p>
+        </p:txBody>
+      </p:sp>
+      <p:pic>
+        <p:nvPicPr>
+          <p:cNvPr id="12290" name="Picture 2"/>
+          <p:cNvPicPr>
+            <a:picLocks noChangeAspect="1" noChangeArrowheads="1"/>
+          </p:cNvPicPr>
+          <p:nvPr/>
+        </p:nvPicPr>
+        <p:blipFill>
+          <a:blip r:embed="rId2"/>
+          <a:srcRect/>
+          <a:stretch>
+            <a:fillRect/>
+          </a:stretch>
+        </p:blipFill>
+        <p:spPr bwMode="auto">
+          <a:xfrm>
+            <a:off x="228600" y="2209800"/>
+            <a:ext cx="8915400" cy="3276600"/>
+          </a:xfrm>
+          <a:prstGeom prst="rect">
+            <a:avLst/>
+          </a:prstGeom>
+          <a:noFill/>
+          <a:ln w="9525">
+            <a:noFill/>
+            <a:miter lim="800000"/>
+            <a:headEnd/>
+            <a:tailEnd/>
+          </a:ln>
+          <a:effectLst/>
+        </p:spPr>
+      </p:pic>
+      <p:sp>
+        <p:nvSpPr>
+          <p:cNvPr id="7" name="Rectangle 6"/>
+          <p:cNvSpPr/>
+          <p:nvPr/>
+        </p:nvSpPr>
+        <p:spPr>
+          <a:xfrm>
+            <a:off x="457200" y="1371600"/>
+            <a:ext cx="4038600" cy="369332"/>
+          </a:xfrm>
+          <a:prstGeom prst="rect">
+            <a:avLst/>
+          </a:prstGeom>
+        </p:spPr>
+        <p:txBody>
+          <a:bodyPr wrap="square">
+            <a:spAutoFit/>
+          </a:bodyPr>
+          <a:lstStyle/>
+          <a:p>
+            <a:r>
+              <a:rPr lang="en-US" dirty="0" smtClean="0"/>
+              <a:t>Ran the </a:t>
+            </a:r>
+            <a:r>
+              <a:rPr lang="en-US" dirty="0" smtClean="0"/>
+              <a:t>application</a:t>
+            </a:r>
+            <a:endParaRPr lang="en-US" dirty="0"/>
+          </a:p>
+        </p:txBody>
+      </p:sp>
     </p:spTree>
   </p:cSld>
   <p:clrMapOvr>
@@ -4590,7 +6775,7 @@
         <p:spPr>
           <a:xfrm>
             <a:off x="533400" y="1143000"/>
-            <a:ext cx="7315200" cy="1200329"/>
+            <a:ext cx="7315200" cy="1477328"/>
           </a:xfrm>
           <a:prstGeom prst="rect">
             <a:avLst/>
@@ -4604,15 +6789,7 @@
           <a:p>
             <a:r>
               <a:rPr lang="en-US" dirty="0" smtClean="0"/>
-              <a:t>(1) </a:t>
-            </a:r>
-            <a:r>
-              <a:rPr lang="en-US" dirty="0" smtClean="0"/>
-              <a:t>There </a:t>
-            </a:r>
-            <a:r>
-              <a:rPr lang="en-US" dirty="0" smtClean="0"/>
-              <a:t>is unique has Created for each Block</a:t>
+              <a:t>(1) There is unique has Created for each Block</a:t>
             </a:r>
           </a:p>
           <a:p>
@@ -4630,20 +6807,1556 @@
           <a:p>
             <a:r>
               <a:rPr lang="en-US" dirty="0" smtClean="0"/>
-              <a:t>(4) </a:t>
-            </a:r>
-            <a:r>
-              <a:rPr lang="en-US" dirty="0" smtClean="0"/>
-              <a:t>Point </a:t>
-            </a:r>
-            <a:r>
-              <a:rPr lang="en-US" dirty="0" smtClean="0"/>
-              <a:t>3 means Last block is integral part for Creating new value</a:t>
+              <a:t>(4) Point 3 means Last block is integral part for Creating new </a:t>
+            </a:r>
+            <a:r>
+              <a:rPr lang="en-US" dirty="0" smtClean="0"/>
+              <a:t>value</a:t>
+            </a:r>
+            <a:br>
+              <a:rPr lang="en-US" dirty="0" smtClean="0"/>
+            </a:br>
+            <a:r>
+              <a:rPr lang="en-US" dirty="0" smtClean="0"/>
+              <a:t>https://www.youtube.com/watch?v=_160oMzblY8</a:t>
             </a:r>
             <a:endParaRPr lang="en-US" dirty="0"/>
           </a:p>
         </p:txBody>
       </p:sp>
+    </p:spTree>
+  </p:cSld>
+  <p:clrMapOvr>
+    <a:masterClrMapping/>
+  </p:clrMapOvr>
+</p:sld>
+</file>
+
+<file path=ppt/slides/slide30.xml><?xml version="1.0" encoding="utf-8"?>
+<p:sld xmlns:a="http://schemas.openxmlformats.org/drawingml/2006/main" xmlns:r="http://schemas.openxmlformats.org/officeDocument/2006/relationships" xmlns:p="http://schemas.openxmlformats.org/presentationml/2006/main">
+  <p:cSld>
+    <p:spTree>
+      <p:nvGrpSpPr>
+        <p:cNvPr id="1" name=""/>
+        <p:cNvGrpSpPr/>
+        <p:nvPr/>
+      </p:nvGrpSpPr>
+      <p:grpSpPr>
+        <a:xfrm>
+          <a:off x="0" y="0"/>
+          <a:ext cx="0" cy="0"/>
+          <a:chOff x="0" y="0"/>
+          <a:chExt cx="0" cy="0"/>
+        </a:xfrm>
+      </p:grpSpPr>
+      <p:sp>
+        <p:nvSpPr>
+          <p:cNvPr id="2" name="Title 1"/>
+          <p:cNvSpPr>
+            <a:spLocks noGrp="1"/>
+          </p:cNvSpPr>
+          <p:nvPr>
+            <p:ph type="ctrTitle"/>
+          </p:nvPr>
+        </p:nvSpPr>
+        <p:spPr>
+          <a:xfrm>
+            <a:off x="0" y="228600"/>
+            <a:ext cx="8991600" cy="990600"/>
+          </a:xfrm>
+        </p:spPr>
+        <p:txBody>
+          <a:bodyPr>
+            <a:normAutofit/>
+          </a:bodyPr>
+          <a:lstStyle/>
+          <a:p>
+            <a:r>
+              <a:rPr lang="en-US" dirty="0" smtClean="0"/>
+              <a:t>How every thing </a:t>
+            </a:r>
+            <a:r>
+              <a:rPr lang="en-US" dirty="0" smtClean="0"/>
+              <a:t>is synchronized? </a:t>
+            </a:r>
+            <a:endParaRPr lang="en-US" dirty="0"/>
+          </a:p>
+        </p:txBody>
+      </p:sp>
+      <p:sp>
+        <p:nvSpPr>
+          <p:cNvPr id="5" name="Rectangle 4"/>
+          <p:cNvSpPr/>
+          <p:nvPr/>
+        </p:nvSpPr>
+        <p:spPr>
+          <a:xfrm>
+            <a:off x="1371600" y="6172200"/>
+            <a:ext cx="5410200" cy="646331"/>
+          </a:xfrm>
+          <a:prstGeom prst="rect">
+            <a:avLst/>
+          </a:prstGeom>
+        </p:spPr>
+        <p:txBody>
+          <a:bodyPr wrap="square">
+            <a:spAutoFit/>
+          </a:bodyPr>
+          <a:lstStyle/>
+          <a:p>
+            <a:r>
+              <a:rPr lang="en-US" dirty="0" smtClean="0"/>
+              <a:t>Code</a:t>
+            </a:r>
+            <a:r>
+              <a:rPr lang="en-US" dirty="0" smtClean="0"/>
+              <a:t/>
+            </a:r>
+            <a:br>
+              <a:rPr lang="en-US" dirty="0" smtClean="0"/>
+            </a:br>
+            <a:r>
+              <a:rPr lang="en-US" dirty="0" smtClean="0"/>
+              <a:t> app/p2p-server.js </a:t>
+            </a:r>
+            <a:endParaRPr lang="en-US" dirty="0"/>
+          </a:p>
+        </p:txBody>
+      </p:sp>
+      <p:sp>
+        <p:nvSpPr>
+          <p:cNvPr id="7" name="Rectangle 6"/>
+          <p:cNvSpPr/>
+          <p:nvPr/>
+        </p:nvSpPr>
+        <p:spPr>
+          <a:xfrm>
+            <a:off x="457200" y="1371600"/>
+            <a:ext cx="4038600" cy="369332"/>
+          </a:xfrm>
+          <a:prstGeom prst="rect">
+            <a:avLst/>
+          </a:prstGeom>
+        </p:spPr>
+        <p:txBody>
+          <a:bodyPr wrap="square">
+            <a:spAutoFit/>
+          </a:bodyPr>
+          <a:lstStyle/>
+          <a:p>
+            <a:r>
+              <a:rPr lang="en-US" dirty="0" smtClean="0"/>
+              <a:t>Started Transaction Using Post man</a:t>
+            </a:r>
+            <a:endParaRPr lang="en-US" dirty="0"/>
+          </a:p>
+        </p:txBody>
+      </p:sp>
+      <p:pic>
+        <p:nvPicPr>
+          <p:cNvPr id="13314" name="Picture 2"/>
+          <p:cNvPicPr>
+            <a:picLocks noChangeAspect="1" noChangeArrowheads="1"/>
+          </p:cNvPicPr>
+          <p:nvPr/>
+        </p:nvPicPr>
+        <p:blipFill>
+          <a:blip r:embed="rId2"/>
+          <a:srcRect/>
+          <a:stretch>
+            <a:fillRect/>
+          </a:stretch>
+        </p:blipFill>
+        <p:spPr bwMode="auto">
+          <a:xfrm>
+            <a:off x="0" y="1828801"/>
+            <a:ext cx="8302686" cy="3733800"/>
+          </a:xfrm>
+          <a:prstGeom prst="rect">
+            <a:avLst/>
+          </a:prstGeom>
+          <a:noFill/>
+          <a:ln w="9525">
+            <a:noFill/>
+            <a:miter lim="800000"/>
+            <a:headEnd/>
+            <a:tailEnd/>
+          </a:ln>
+          <a:effectLst/>
+        </p:spPr>
+      </p:pic>
+    </p:spTree>
+  </p:cSld>
+  <p:clrMapOvr>
+    <a:masterClrMapping/>
+  </p:clrMapOvr>
+</p:sld>
+</file>
+
+<file path=ppt/slides/slide31.xml><?xml version="1.0" encoding="utf-8"?>
+<p:sld xmlns:a="http://schemas.openxmlformats.org/drawingml/2006/main" xmlns:r="http://schemas.openxmlformats.org/officeDocument/2006/relationships" xmlns:p="http://schemas.openxmlformats.org/presentationml/2006/main">
+  <p:cSld>
+    <p:spTree>
+      <p:nvGrpSpPr>
+        <p:cNvPr id="1" name=""/>
+        <p:cNvGrpSpPr/>
+        <p:nvPr/>
+      </p:nvGrpSpPr>
+      <p:grpSpPr>
+        <a:xfrm>
+          <a:off x="0" y="0"/>
+          <a:ext cx="0" cy="0"/>
+          <a:chOff x="0" y="0"/>
+          <a:chExt cx="0" cy="0"/>
+        </a:xfrm>
+      </p:grpSpPr>
+      <p:sp>
+        <p:nvSpPr>
+          <p:cNvPr id="2" name="Title 1"/>
+          <p:cNvSpPr>
+            <a:spLocks noGrp="1"/>
+          </p:cNvSpPr>
+          <p:nvPr>
+            <p:ph type="ctrTitle"/>
+          </p:nvPr>
+        </p:nvSpPr>
+        <p:spPr>
+          <a:xfrm>
+            <a:off x="0" y="228600"/>
+            <a:ext cx="8991600" cy="990600"/>
+          </a:xfrm>
+        </p:spPr>
+        <p:txBody>
+          <a:bodyPr>
+            <a:normAutofit/>
+          </a:bodyPr>
+          <a:lstStyle/>
+          <a:p>
+            <a:r>
+              <a:rPr lang="en-US" dirty="0" smtClean="0"/>
+              <a:t>How every thing </a:t>
+            </a:r>
+            <a:r>
+              <a:rPr lang="en-US" dirty="0" smtClean="0"/>
+              <a:t>is synchronized? </a:t>
+            </a:r>
+            <a:endParaRPr lang="en-US" dirty="0"/>
+          </a:p>
+        </p:txBody>
+      </p:sp>
+      <p:sp>
+        <p:nvSpPr>
+          <p:cNvPr id="5" name="Rectangle 4"/>
+          <p:cNvSpPr/>
+          <p:nvPr/>
+        </p:nvSpPr>
+        <p:spPr>
+          <a:xfrm>
+            <a:off x="1371600" y="6172200"/>
+            <a:ext cx="5410200" cy="646331"/>
+          </a:xfrm>
+          <a:prstGeom prst="rect">
+            <a:avLst/>
+          </a:prstGeom>
+        </p:spPr>
+        <p:txBody>
+          <a:bodyPr wrap="square">
+            <a:spAutoFit/>
+          </a:bodyPr>
+          <a:lstStyle/>
+          <a:p>
+            <a:r>
+              <a:rPr lang="en-US" dirty="0" smtClean="0"/>
+              <a:t>Code</a:t>
+            </a:r>
+            <a:r>
+              <a:rPr lang="en-US" dirty="0" smtClean="0"/>
+              <a:t/>
+            </a:r>
+            <a:br>
+              <a:rPr lang="en-US" dirty="0" smtClean="0"/>
+            </a:br>
+            <a:r>
+              <a:rPr lang="en-US" dirty="0" smtClean="0"/>
+              <a:t> app/p2p-server.js </a:t>
+            </a:r>
+            <a:endParaRPr lang="en-US" dirty="0"/>
+          </a:p>
+        </p:txBody>
+      </p:sp>
+      <p:sp>
+        <p:nvSpPr>
+          <p:cNvPr id="7" name="Rectangle 6"/>
+          <p:cNvSpPr/>
+          <p:nvPr/>
+        </p:nvSpPr>
+        <p:spPr>
+          <a:xfrm>
+            <a:off x="457200" y="1371600"/>
+            <a:ext cx="4038600" cy="369332"/>
+          </a:xfrm>
+          <a:prstGeom prst="rect">
+            <a:avLst/>
+          </a:prstGeom>
+        </p:spPr>
+        <p:txBody>
+          <a:bodyPr wrap="square">
+            <a:spAutoFit/>
+          </a:bodyPr>
+          <a:lstStyle/>
+          <a:p>
+            <a:r>
+              <a:rPr lang="en-US" dirty="0" smtClean="0"/>
+              <a:t>Seeing Transaction on another port</a:t>
+            </a:r>
+            <a:endParaRPr lang="en-US" dirty="0"/>
+          </a:p>
+        </p:txBody>
+      </p:sp>
+      <p:pic>
+        <p:nvPicPr>
+          <p:cNvPr id="14338" name="Picture 2"/>
+          <p:cNvPicPr>
+            <a:picLocks noChangeAspect="1" noChangeArrowheads="1"/>
+          </p:cNvPicPr>
+          <p:nvPr/>
+        </p:nvPicPr>
+        <p:blipFill>
+          <a:blip r:embed="rId2"/>
+          <a:srcRect/>
+          <a:stretch>
+            <a:fillRect/>
+          </a:stretch>
+        </p:blipFill>
+        <p:spPr bwMode="auto">
+          <a:xfrm>
+            <a:off x="0" y="2079686"/>
+            <a:ext cx="9144000" cy="4068702"/>
+          </a:xfrm>
+          <a:prstGeom prst="rect">
+            <a:avLst/>
+          </a:prstGeom>
+          <a:noFill/>
+          <a:ln w="9525">
+            <a:noFill/>
+            <a:miter lim="800000"/>
+            <a:headEnd/>
+            <a:tailEnd/>
+          </a:ln>
+          <a:effectLst/>
+        </p:spPr>
+      </p:pic>
+    </p:spTree>
+  </p:cSld>
+  <p:clrMapOvr>
+    <a:masterClrMapping/>
+  </p:clrMapOvr>
+</p:sld>
+</file>
+
+<file path=ppt/slides/slide32.xml><?xml version="1.0" encoding="utf-8"?>
+<p:sld xmlns:a="http://schemas.openxmlformats.org/drawingml/2006/main" xmlns:r="http://schemas.openxmlformats.org/officeDocument/2006/relationships" xmlns:p="http://schemas.openxmlformats.org/presentationml/2006/main">
+  <p:cSld>
+    <p:spTree>
+      <p:nvGrpSpPr>
+        <p:cNvPr id="1" name=""/>
+        <p:cNvGrpSpPr/>
+        <p:nvPr/>
+      </p:nvGrpSpPr>
+      <p:grpSpPr>
+        <a:xfrm>
+          <a:off x="0" y="0"/>
+          <a:ext cx="0" cy="0"/>
+          <a:chOff x="0" y="0"/>
+          <a:chExt cx="0" cy="0"/>
+        </a:xfrm>
+      </p:grpSpPr>
+      <p:sp>
+        <p:nvSpPr>
+          <p:cNvPr id="2" name="Title 1"/>
+          <p:cNvSpPr>
+            <a:spLocks noGrp="1"/>
+          </p:cNvSpPr>
+          <p:nvPr>
+            <p:ph type="ctrTitle"/>
+          </p:nvPr>
+        </p:nvSpPr>
+        <p:spPr>
+          <a:xfrm>
+            <a:off x="0" y="228600"/>
+            <a:ext cx="8991600" cy="990600"/>
+          </a:xfrm>
+        </p:spPr>
+        <p:txBody>
+          <a:bodyPr>
+            <a:normAutofit/>
+          </a:bodyPr>
+          <a:lstStyle/>
+          <a:p>
+            <a:r>
+              <a:rPr lang="en-US" dirty="0" smtClean="0"/>
+              <a:t>What is Proof Of Work? </a:t>
+            </a:r>
+            <a:endParaRPr lang="en-US" dirty="0"/>
+          </a:p>
+        </p:txBody>
+      </p:sp>
+      <p:sp>
+        <p:nvSpPr>
+          <p:cNvPr id="5" name="Rectangle 4"/>
+          <p:cNvSpPr/>
+          <p:nvPr/>
+        </p:nvSpPr>
+        <p:spPr>
+          <a:xfrm>
+            <a:off x="1371600" y="5562600"/>
+            <a:ext cx="5410200" cy="923330"/>
+          </a:xfrm>
+          <a:prstGeom prst="rect">
+            <a:avLst/>
+          </a:prstGeom>
+        </p:spPr>
+        <p:txBody>
+          <a:bodyPr wrap="square">
+            <a:spAutoFit/>
+          </a:bodyPr>
+          <a:lstStyle/>
+          <a:p>
+            <a:r>
+              <a:rPr lang="en-US" dirty="0" smtClean="0"/>
+              <a:t>Code (nonce defined and used)</a:t>
+            </a:r>
+            <a:r>
+              <a:rPr lang="en-US" dirty="0" smtClean="0"/>
+              <a:t/>
+            </a:r>
+            <a:br>
+              <a:rPr lang="en-US" dirty="0" smtClean="0"/>
+            </a:br>
+            <a:r>
+              <a:rPr lang="en-US" dirty="0" smtClean="0"/>
+              <a:t> </a:t>
+            </a:r>
+            <a:r>
+              <a:rPr lang="en-US" dirty="0" smtClean="0"/>
+              <a:t>config.js</a:t>
+            </a:r>
+            <a:br>
+              <a:rPr lang="en-US" dirty="0" smtClean="0"/>
+            </a:br>
+            <a:r>
+              <a:rPr lang="en-US" dirty="0" smtClean="0"/>
+              <a:t> blockchain/block.js</a:t>
+            </a:r>
+            <a:endParaRPr lang="en-US" dirty="0"/>
+          </a:p>
+        </p:txBody>
+      </p:sp>
+      <p:pic>
+        <p:nvPicPr>
+          <p:cNvPr id="15362" name="Picture 2"/>
+          <p:cNvPicPr>
+            <a:picLocks noChangeAspect="1" noChangeArrowheads="1"/>
+          </p:cNvPicPr>
+          <p:nvPr/>
+        </p:nvPicPr>
+        <p:blipFill>
+          <a:blip r:embed="rId2"/>
+          <a:srcRect/>
+          <a:stretch>
+            <a:fillRect/>
+          </a:stretch>
+        </p:blipFill>
+        <p:spPr bwMode="auto">
+          <a:xfrm>
+            <a:off x="1" y="1714500"/>
+            <a:ext cx="9144000" cy="3429000"/>
+          </a:xfrm>
+          <a:prstGeom prst="rect">
+            <a:avLst/>
+          </a:prstGeom>
+          <a:noFill/>
+          <a:ln w="9525">
+            <a:noFill/>
+            <a:miter lim="800000"/>
+            <a:headEnd/>
+            <a:tailEnd/>
+          </a:ln>
+          <a:effectLst/>
+        </p:spPr>
+      </p:pic>
+    </p:spTree>
+  </p:cSld>
+  <p:clrMapOvr>
+    <a:masterClrMapping/>
+  </p:clrMapOvr>
+</p:sld>
+</file>
+
+<file path=ppt/slides/slide33.xml><?xml version="1.0" encoding="utf-8"?>
+<p:sld xmlns:a="http://schemas.openxmlformats.org/drawingml/2006/main" xmlns:r="http://schemas.openxmlformats.org/officeDocument/2006/relationships" xmlns:p="http://schemas.openxmlformats.org/presentationml/2006/main">
+  <p:cSld>
+    <p:spTree>
+      <p:nvGrpSpPr>
+        <p:cNvPr id="1" name=""/>
+        <p:cNvGrpSpPr/>
+        <p:nvPr/>
+      </p:nvGrpSpPr>
+      <p:grpSpPr>
+        <a:xfrm>
+          <a:off x="0" y="0"/>
+          <a:ext cx="0" cy="0"/>
+          <a:chOff x="0" y="0"/>
+          <a:chExt cx="0" cy="0"/>
+        </a:xfrm>
+      </p:grpSpPr>
+      <p:sp>
+        <p:nvSpPr>
+          <p:cNvPr id="2" name="Title 1"/>
+          <p:cNvSpPr>
+            <a:spLocks noGrp="1"/>
+          </p:cNvSpPr>
+          <p:nvPr>
+            <p:ph type="ctrTitle"/>
+          </p:nvPr>
+        </p:nvSpPr>
+        <p:spPr>
+          <a:xfrm>
+            <a:off x="0" y="228600"/>
+            <a:ext cx="8991600" cy="990600"/>
+          </a:xfrm>
+        </p:spPr>
+        <p:txBody>
+          <a:bodyPr>
+            <a:normAutofit/>
+          </a:bodyPr>
+          <a:lstStyle/>
+          <a:p>
+            <a:r>
+              <a:rPr lang="en-US" dirty="0" smtClean="0"/>
+              <a:t>What is Proof Of Work? </a:t>
+            </a:r>
+            <a:endParaRPr lang="en-US" dirty="0"/>
+          </a:p>
+        </p:txBody>
+      </p:sp>
+      <p:pic>
+        <p:nvPicPr>
+          <p:cNvPr id="16386" name="Picture 2"/>
+          <p:cNvPicPr>
+            <a:picLocks noChangeAspect="1" noChangeArrowheads="1"/>
+          </p:cNvPicPr>
+          <p:nvPr/>
+        </p:nvPicPr>
+        <p:blipFill>
+          <a:blip r:embed="rId2"/>
+          <a:srcRect/>
+          <a:stretch>
+            <a:fillRect/>
+          </a:stretch>
+        </p:blipFill>
+        <p:spPr bwMode="auto">
+          <a:xfrm>
+            <a:off x="1" y="1176338"/>
+            <a:ext cx="8915399" cy="4505325"/>
+          </a:xfrm>
+          <a:prstGeom prst="rect">
+            <a:avLst/>
+          </a:prstGeom>
+          <a:noFill/>
+          <a:ln w="9525">
+            <a:noFill/>
+            <a:miter lim="800000"/>
+            <a:headEnd/>
+            <a:tailEnd/>
+          </a:ln>
+          <a:effectLst/>
+        </p:spPr>
+      </p:pic>
+      <p:sp>
+        <p:nvSpPr>
+          <p:cNvPr id="6" name="Rectangle 5"/>
+          <p:cNvSpPr/>
+          <p:nvPr/>
+        </p:nvSpPr>
+        <p:spPr>
+          <a:xfrm>
+            <a:off x="1143000" y="5791200"/>
+            <a:ext cx="5410200" cy="923330"/>
+          </a:xfrm>
+          <a:prstGeom prst="rect">
+            <a:avLst/>
+          </a:prstGeom>
+        </p:spPr>
+        <p:txBody>
+          <a:bodyPr wrap="square">
+            <a:spAutoFit/>
+          </a:bodyPr>
+          <a:lstStyle/>
+          <a:p>
+            <a:r>
+              <a:rPr lang="en-US" smtClean="0"/>
+              <a:t>Code (nonce </a:t>
+            </a:r>
+            <a:r>
+              <a:rPr lang="en-US" dirty="0" smtClean="0"/>
+              <a:t>defined and used)</a:t>
+            </a:r>
+            <a:r>
+              <a:rPr lang="en-US" dirty="0" smtClean="0"/>
+              <a:t/>
+            </a:r>
+            <a:br>
+              <a:rPr lang="en-US" dirty="0" smtClean="0"/>
+            </a:br>
+            <a:r>
+              <a:rPr lang="en-US" dirty="0" smtClean="0"/>
+              <a:t> </a:t>
+            </a:r>
+            <a:r>
+              <a:rPr lang="en-US" dirty="0" smtClean="0"/>
+              <a:t>config.js</a:t>
+            </a:r>
+            <a:br>
+              <a:rPr lang="en-US" dirty="0" smtClean="0"/>
+            </a:br>
+            <a:r>
+              <a:rPr lang="en-US" dirty="0" smtClean="0"/>
+              <a:t> blockchain/block.js</a:t>
+            </a:r>
+            <a:endParaRPr lang="en-US" dirty="0"/>
+          </a:p>
+        </p:txBody>
+      </p:sp>
+    </p:spTree>
+  </p:cSld>
+  <p:clrMapOvr>
+    <a:masterClrMapping/>
+  </p:clrMapOvr>
+</p:sld>
+</file>
+
+<file path=ppt/slides/slide34.xml><?xml version="1.0" encoding="utf-8"?>
+<p:sld xmlns:a="http://schemas.openxmlformats.org/drawingml/2006/main" xmlns:r="http://schemas.openxmlformats.org/officeDocument/2006/relationships" xmlns:p="http://schemas.openxmlformats.org/presentationml/2006/main">
+  <p:cSld>
+    <p:spTree>
+      <p:nvGrpSpPr>
+        <p:cNvPr id="1" name=""/>
+        <p:cNvGrpSpPr/>
+        <p:nvPr/>
+      </p:nvGrpSpPr>
+      <p:grpSpPr>
+        <a:xfrm>
+          <a:off x="0" y="0"/>
+          <a:ext cx="0" cy="0"/>
+          <a:chOff x="0" y="0"/>
+          <a:chExt cx="0" cy="0"/>
+        </a:xfrm>
+      </p:grpSpPr>
+      <p:sp>
+        <p:nvSpPr>
+          <p:cNvPr id="2" name="Title 1"/>
+          <p:cNvSpPr>
+            <a:spLocks noGrp="1"/>
+          </p:cNvSpPr>
+          <p:nvPr>
+            <p:ph type="ctrTitle"/>
+          </p:nvPr>
+        </p:nvSpPr>
+        <p:spPr>
+          <a:xfrm>
+            <a:off x="0" y="228600"/>
+            <a:ext cx="8991600" cy="990600"/>
+          </a:xfrm>
+        </p:spPr>
+        <p:txBody>
+          <a:bodyPr>
+            <a:normAutofit/>
+          </a:bodyPr>
+          <a:lstStyle/>
+          <a:p>
+            <a:r>
+              <a:rPr lang="en-US" dirty="0" smtClean="0"/>
+              <a:t>Is Difficulty is Constant? </a:t>
+            </a:r>
+            <a:endParaRPr lang="en-US" dirty="0"/>
+          </a:p>
+        </p:txBody>
+      </p:sp>
+      <p:sp>
+        <p:nvSpPr>
+          <p:cNvPr id="6" name="Rectangle 5"/>
+          <p:cNvSpPr/>
+          <p:nvPr/>
+        </p:nvSpPr>
+        <p:spPr>
+          <a:xfrm>
+            <a:off x="1143000" y="5791200"/>
+            <a:ext cx="5410200" cy="923330"/>
+          </a:xfrm>
+          <a:prstGeom prst="rect">
+            <a:avLst/>
+          </a:prstGeom>
+        </p:spPr>
+        <p:txBody>
+          <a:bodyPr wrap="square">
+            <a:spAutoFit/>
+          </a:bodyPr>
+          <a:lstStyle/>
+          <a:p>
+            <a:r>
+              <a:rPr lang="en-US" dirty="0" smtClean="0"/>
+              <a:t>Code (nonce defined and used)</a:t>
+            </a:r>
+            <a:r>
+              <a:rPr lang="en-US" dirty="0" smtClean="0"/>
+              <a:t/>
+            </a:r>
+            <a:br>
+              <a:rPr lang="en-US" dirty="0" smtClean="0"/>
+            </a:br>
+            <a:r>
+              <a:rPr lang="en-US" dirty="0" smtClean="0"/>
+              <a:t> </a:t>
+            </a:r>
+            <a:r>
+              <a:rPr lang="en-US" dirty="0" smtClean="0"/>
+              <a:t>config.js</a:t>
+            </a:r>
+            <a:br>
+              <a:rPr lang="en-US" dirty="0" smtClean="0"/>
+            </a:br>
+            <a:r>
+              <a:rPr lang="en-US" dirty="0" smtClean="0"/>
+              <a:t> </a:t>
+            </a:r>
+            <a:r>
+              <a:rPr lang="en-US" dirty="0" smtClean="0"/>
+              <a:t>blockchain/block.js /</a:t>
+            </a:r>
+            <a:r>
+              <a:rPr lang="en-US" dirty="0" smtClean="0"/>
+              <a:t> </a:t>
+            </a:r>
+            <a:r>
+              <a:rPr lang="en-US" dirty="0" err="1" smtClean="0"/>
+              <a:t>adjustDifficulty</a:t>
+            </a:r>
+            <a:endParaRPr lang="en-US" dirty="0"/>
+          </a:p>
+        </p:txBody>
+      </p:sp>
+      <p:sp>
+        <p:nvSpPr>
+          <p:cNvPr id="7" name="Rectangle 6"/>
+          <p:cNvSpPr/>
+          <p:nvPr/>
+        </p:nvSpPr>
+        <p:spPr>
+          <a:xfrm>
+            <a:off x="2895600" y="1371600"/>
+            <a:ext cx="2209800" cy="1015663"/>
+          </a:xfrm>
+          <a:prstGeom prst="rect">
+            <a:avLst/>
+          </a:prstGeom>
+        </p:spPr>
+        <p:txBody>
+          <a:bodyPr wrap="square">
+            <a:spAutoFit/>
+          </a:bodyPr>
+          <a:lstStyle/>
+          <a:p>
+            <a:r>
+              <a:rPr lang="en-US" sz="6000" b="1" dirty="0" smtClean="0"/>
+              <a:t>No</a:t>
+            </a:r>
+            <a:endParaRPr lang="en-US" sz="6000" b="1" dirty="0"/>
+          </a:p>
+        </p:txBody>
+      </p:sp>
+      <p:pic>
+        <p:nvPicPr>
+          <p:cNvPr id="17410" name="Picture 2"/>
+          <p:cNvPicPr>
+            <a:picLocks noChangeAspect="1" noChangeArrowheads="1"/>
+          </p:cNvPicPr>
+          <p:nvPr/>
+        </p:nvPicPr>
+        <p:blipFill>
+          <a:blip r:embed="rId2"/>
+          <a:srcRect/>
+          <a:stretch>
+            <a:fillRect/>
+          </a:stretch>
+        </p:blipFill>
+        <p:spPr bwMode="auto">
+          <a:xfrm>
+            <a:off x="0" y="2438400"/>
+            <a:ext cx="8686800" cy="2450188"/>
+          </a:xfrm>
+          <a:prstGeom prst="rect">
+            <a:avLst/>
+          </a:prstGeom>
+          <a:noFill/>
+          <a:ln w="9525">
+            <a:noFill/>
+            <a:miter lim="800000"/>
+            <a:headEnd/>
+            <a:tailEnd/>
+          </a:ln>
+          <a:effectLst/>
+        </p:spPr>
+      </p:pic>
+    </p:spTree>
+  </p:cSld>
+  <p:clrMapOvr>
+    <a:masterClrMapping/>
+  </p:clrMapOvr>
+</p:sld>
+</file>
+
+<file path=ppt/slides/slide35.xml><?xml version="1.0" encoding="utf-8"?>
+<p:sld xmlns:a="http://schemas.openxmlformats.org/drawingml/2006/main" xmlns:r="http://schemas.openxmlformats.org/officeDocument/2006/relationships" xmlns:p="http://schemas.openxmlformats.org/presentationml/2006/main">
+  <p:cSld>
+    <p:spTree>
+      <p:nvGrpSpPr>
+        <p:cNvPr id="1" name=""/>
+        <p:cNvGrpSpPr/>
+        <p:nvPr/>
+      </p:nvGrpSpPr>
+      <p:grpSpPr>
+        <a:xfrm>
+          <a:off x="0" y="0"/>
+          <a:ext cx="0" cy="0"/>
+          <a:chOff x="0" y="0"/>
+          <a:chExt cx="0" cy="0"/>
+        </a:xfrm>
+      </p:grpSpPr>
+      <p:sp>
+        <p:nvSpPr>
+          <p:cNvPr id="2" name="Title 1"/>
+          <p:cNvSpPr>
+            <a:spLocks noGrp="1"/>
+          </p:cNvSpPr>
+          <p:nvPr>
+            <p:ph type="ctrTitle"/>
+          </p:nvPr>
+        </p:nvSpPr>
+        <p:spPr>
+          <a:xfrm>
+            <a:off x="0" y="228600"/>
+            <a:ext cx="8991600" cy="990600"/>
+          </a:xfrm>
+        </p:spPr>
+        <p:txBody>
+          <a:bodyPr>
+            <a:normAutofit/>
+          </a:bodyPr>
+          <a:lstStyle/>
+          <a:p>
+            <a:r>
+              <a:rPr lang="en-US" dirty="0" smtClean="0"/>
+              <a:t>Again What is Wallet? </a:t>
+            </a:r>
+            <a:endParaRPr lang="en-US" dirty="0"/>
+          </a:p>
+        </p:txBody>
+      </p:sp>
+      <p:sp>
+        <p:nvSpPr>
+          <p:cNvPr id="6" name="Rectangle 5"/>
+          <p:cNvSpPr/>
+          <p:nvPr/>
+        </p:nvSpPr>
+        <p:spPr>
+          <a:xfrm>
+            <a:off x="1143000" y="5791200"/>
+            <a:ext cx="5410200" cy="646331"/>
+          </a:xfrm>
+          <a:prstGeom prst="rect">
+            <a:avLst/>
+          </a:prstGeom>
+        </p:spPr>
+        <p:txBody>
+          <a:bodyPr wrap="square">
+            <a:spAutoFit/>
+          </a:bodyPr>
+          <a:lstStyle/>
+          <a:p>
+            <a:r>
+              <a:rPr lang="en-US" dirty="0" smtClean="0"/>
+              <a:t>Code </a:t>
+            </a:r>
+            <a:r>
+              <a:rPr lang="en-US" dirty="0" smtClean="0"/>
+              <a:t/>
+            </a:r>
+            <a:br>
+              <a:rPr lang="en-US" dirty="0" smtClean="0"/>
+            </a:br>
+            <a:r>
+              <a:rPr lang="en-US" dirty="0" smtClean="0"/>
+              <a:t> wallet/index.js / </a:t>
+            </a:r>
+            <a:r>
+              <a:rPr lang="en-US" dirty="0" err="1" smtClean="0"/>
+              <a:t>createTransaction</a:t>
+            </a:r>
+            <a:endParaRPr lang="en-US" dirty="0"/>
+          </a:p>
+        </p:txBody>
+      </p:sp>
+      <p:pic>
+        <p:nvPicPr>
+          <p:cNvPr id="18435" name="Picture 3"/>
+          <p:cNvPicPr>
+            <a:picLocks noChangeAspect="1" noChangeArrowheads="1"/>
+          </p:cNvPicPr>
+          <p:nvPr/>
+        </p:nvPicPr>
+        <p:blipFill>
+          <a:blip r:embed="rId2"/>
+          <a:srcRect/>
+          <a:stretch>
+            <a:fillRect/>
+          </a:stretch>
+        </p:blipFill>
+        <p:spPr bwMode="auto">
+          <a:xfrm>
+            <a:off x="23813" y="1771650"/>
+            <a:ext cx="9096375" cy="3314700"/>
+          </a:xfrm>
+          <a:prstGeom prst="rect">
+            <a:avLst/>
+          </a:prstGeom>
+          <a:noFill/>
+          <a:ln w="9525">
+            <a:noFill/>
+            <a:miter lim="800000"/>
+            <a:headEnd/>
+            <a:tailEnd/>
+          </a:ln>
+          <a:effectLst/>
+        </p:spPr>
+      </p:pic>
+    </p:spTree>
+  </p:cSld>
+  <p:clrMapOvr>
+    <a:masterClrMapping/>
+  </p:clrMapOvr>
+</p:sld>
+</file>
+
+<file path=ppt/slides/slide36.xml><?xml version="1.0" encoding="utf-8"?>
+<p:sld xmlns:a="http://schemas.openxmlformats.org/drawingml/2006/main" xmlns:r="http://schemas.openxmlformats.org/officeDocument/2006/relationships" xmlns:p="http://schemas.openxmlformats.org/presentationml/2006/main">
+  <p:cSld>
+    <p:spTree>
+      <p:nvGrpSpPr>
+        <p:cNvPr id="1" name=""/>
+        <p:cNvGrpSpPr/>
+        <p:nvPr/>
+      </p:nvGrpSpPr>
+      <p:grpSpPr>
+        <a:xfrm>
+          <a:off x="0" y="0"/>
+          <a:ext cx="0" cy="0"/>
+          <a:chOff x="0" y="0"/>
+          <a:chExt cx="0" cy="0"/>
+        </a:xfrm>
+      </p:grpSpPr>
+      <p:sp>
+        <p:nvSpPr>
+          <p:cNvPr id="2" name="Title 1"/>
+          <p:cNvSpPr>
+            <a:spLocks noGrp="1"/>
+          </p:cNvSpPr>
+          <p:nvPr>
+            <p:ph type="ctrTitle"/>
+          </p:nvPr>
+        </p:nvSpPr>
+        <p:spPr>
+          <a:xfrm>
+            <a:off x="0" y="228600"/>
+            <a:ext cx="8991600" cy="990600"/>
+          </a:xfrm>
+        </p:spPr>
+        <p:txBody>
+          <a:bodyPr>
+            <a:normAutofit/>
+          </a:bodyPr>
+          <a:lstStyle/>
+          <a:p>
+            <a:r>
+              <a:rPr lang="en-US" dirty="0" smtClean="0"/>
+              <a:t>What is Transaction? </a:t>
+            </a:r>
+            <a:endParaRPr lang="en-US" dirty="0"/>
+          </a:p>
+        </p:txBody>
+      </p:sp>
+      <p:pic>
+        <p:nvPicPr>
+          <p:cNvPr id="7" name="Picture 2"/>
+          <p:cNvPicPr>
+            <a:picLocks noChangeAspect="1" noChangeArrowheads="1"/>
+          </p:cNvPicPr>
+          <p:nvPr/>
+        </p:nvPicPr>
+        <p:blipFill>
+          <a:blip r:embed="rId2"/>
+          <a:srcRect/>
+          <a:stretch>
+            <a:fillRect/>
+          </a:stretch>
+        </p:blipFill>
+        <p:spPr bwMode="auto">
+          <a:xfrm>
+            <a:off x="180975" y="1371600"/>
+            <a:ext cx="8782050" cy="4114800"/>
+          </a:xfrm>
+          <a:prstGeom prst="rect">
+            <a:avLst/>
+          </a:prstGeom>
+          <a:noFill/>
+          <a:ln w="9525">
+            <a:noFill/>
+            <a:miter lim="800000"/>
+            <a:headEnd/>
+            <a:tailEnd/>
+          </a:ln>
+          <a:effectLst/>
+        </p:spPr>
+      </p:pic>
+      <p:sp>
+        <p:nvSpPr>
+          <p:cNvPr id="8" name="Rectangle 7"/>
+          <p:cNvSpPr/>
+          <p:nvPr/>
+        </p:nvSpPr>
+        <p:spPr>
+          <a:xfrm>
+            <a:off x="1143000" y="5791200"/>
+            <a:ext cx="5410200" cy="646331"/>
+          </a:xfrm>
+          <a:prstGeom prst="rect">
+            <a:avLst/>
+          </a:prstGeom>
+        </p:spPr>
+        <p:txBody>
+          <a:bodyPr wrap="square">
+            <a:spAutoFit/>
+          </a:bodyPr>
+          <a:lstStyle/>
+          <a:p>
+            <a:r>
+              <a:rPr lang="en-US" dirty="0" smtClean="0"/>
+              <a:t>Code </a:t>
+            </a:r>
+            <a:r>
+              <a:rPr lang="en-US" dirty="0" smtClean="0"/>
+              <a:t/>
+            </a:r>
+            <a:br>
+              <a:rPr lang="en-US" dirty="0" smtClean="0"/>
+            </a:br>
+            <a:r>
+              <a:rPr lang="en-US" dirty="0" smtClean="0"/>
+              <a:t> wallet/ transaction.js</a:t>
+            </a:r>
+            <a:endParaRPr lang="en-US" dirty="0"/>
+          </a:p>
+        </p:txBody>
+      </p:sp>
+    </p:spTree>
+  </p:cSld>
+  <p:clrMapOvr>
+    <a:masterClrMapping/>
+  </p:clrMapOvr>
+</p:sld>
+</file>
+
+<file path=ppt/slides/slide37.xml><?xml version="1.0" encoding="utf-8"?>
+<p:sld xmlns:a="http://schemas.openxmlformats.org/drawingml/2006/main" xmlns:r="http://schemas.openxmlformats.org/officeDocument/2006/relationships" xmlns:p="http://schemas.openxmlformats.org/presentationml/2006/main">
+  <p:cSld>
+    <p:spTree>
+      <p:nvGrpSpPr>
+        <p:cNvPr id="1" name=""/>
+        <p:cNvGrpSpPr/>
+        <p:nvPr/>
+      </p:nvGrpSpPr>
+      <p:grpSpPr>
+        <a:xfrm>
+          <a:off x="0" y="0"/>
+          <a:ext cx="0" cy="0"/>
+          <a:chOff x="0" y="0"/>
+          <a:chExt cx="0" cy="0"/>
+        </a:xfrm>
+      </p:grpSpPr>
+      <p:sp>
+        <p:nvSpPr>
+          <p:cNvPr id="2" name="Title 1"/>
+          <p:cNvSpPr>
+            <a:spLocks noGrp="1"/>
+          </p:cNvSpPr>
+          <p:nvPr>
+            <p:ph type="ctrTitle"/>
+          </p:nvPr>
+        </p:nvSpPr>
+        <p:spPr>
+          <a:xfrm>
+            <a:off x="304800" y="228600"/>
+            <a:ext cx="8458200" cy="761999"/>
+          </a:xfrm>
+        </p:spPr>
+        <p:txBody>
+          <a:bodyPr>
+            <a:normAutofit fontScale="90000"/>
+          </a:bodyPr>
+          <a:lstStyle/>
+          <a:p>
+            <a:r>
+              <a:rPr lang="en-US" dirty="0" smtClean="0"/>
+              <a:t>Private and Public Key Again?</a:t>
+            </a:r>
+            <a:endParaRPr lang="en-US" dirty="0"/>
+          </a:p>
+        </p:txBody>
+      </p:sp>
+      <p:sp>
+        <p:nvSpPr>
+          <p:cNvPr id="5" name="Rectangle 4"/>
+          <p:cNvSpPr/>
+          <p:nvPr/>
+        </p:nvSpPr>
+        <p:spPr>
+          <a:xfrm>
+            <a:off x="1143000" y="990600"/>
+            <a:ext cx="6934200" cy="1200329"/>
+          </a:xfrm>
+          <a:prstGeom prst="rect">
+            <a:avLst/>
+          </a:prstGeom>
+        </p:spPr>
+        <p:txBody>
+          <a:bodyPr wrap="square">
+            <a:spAutoFit/>
+          </a:bodyPr>
+          <a:lstStyle/>
+          <a:p>
+            <a:r>
+              <a:rPr lang="en-US" b="1" dirty="0" smtClean="0"/>
+              <a:t>Uses Cryptography to generate digital signature</a:t>
+            </a:r>
+          </a:p>
+          <a:p>
+            <a:r>
+              <a:rPr lang="en-US" dirty="0" smtClean="0"/>
+              <a:t>It is unique signature to individual account</a:t>
+            </a:r>
+            <a:br>
+              <a:rPr lang="en-US" dirty="0" smtClean="0"/>
+            </a:br>
+            <a:r>
+              <a:rPr lang="en-US" dirty="0" smtClean="0"/>
+              <a:t>So who ever want to record data inside the block chain has to use unique signature</a:t>
+            </a:r>
+            <a:endParaRPr lang="en-US" dirty="0"/>
+          </a:p>
+        </p:txBody>
+      </p:sp>
+      <p:sp>
+        <p:nvSpPr>
+          <p:cNvPr id="6" name="Rectangle 5"/>
+          <p:cNvSpPr/>
+          <p:nvPr/>
+        </p:nvSpPr>
+        <p:spPr>
+          <a:xfrm>
+            <a:off x="1219200" y="2133600"/>
+            <a:ext cx="6934199" cy="646331"/>
+          </a:xfrm>
+          <a:prstGeom prst="rect">
+            <a:avLst/>
+          </a:prstGeom>
+        </p:spPr>
+        <p:txBody>
+          <a:bodyPr wrap="square">
+            <a:spAutoFit/>
+          </a:bodyPr>
+          <a:lstStyle/>
+          <a:p>
+            <a:r>
+              <a:rPr lang="en-US" b="1" dirty="0" smtClean="0"/>
+              <a:t>What is Digital Signature?</a:t>
+            </a:r>
+            <a:br>
+              <a:rPr lang="en-US" b="1" dirty="0" smtClean="0"/>
+            </a:br>
+            <a:r>
+              <a:rPr lang="en-US" b="1" dirty="0" smtClean="0"/>
+              <a:t>It is Private key (secret) public key (open to identify)</a:t>
+            </a:r>
+            <a:endParaRPr lang="en-US" b="1" dirty="0"/>
+          </a:p>
+        </p:txBody>
+      </p:sp>
+      <p:pic>
+        <p:nvPicPr>
+          <p:cNvPr id="8196" name="Picture 4"/>
+          <p:cNvPicPr>
+            <a:picLocks noChangeAspect="1" noChangeArrowheads="1"/>
+          </p:cNvPicPr>
+          <p:nvPr/>
+        </p:nvPicPr>
+        <p:blipFill>
+          <a:blip r:embed="rId2"/>
+          <a:srcRect/>
+          <a:stretch>
+            <a:fillRect/>
+          </a:stretch>
+        </p:blipFill>
+        <p:spPr bwMode="auto">
+          <a:xfrm>
+            <a:off x="457200" y="2743200"/>
+            <a:ext cx="6721929" cy="2590101"/>
+          </a:xfrm>
+          <a:prstGeom prst="rect">
+            <a:avLst/>
+          </a:prstGeom>
+          <a:noFill/>
+          <a:ln w="9525">
+            <a:noFill/>
+            <a:miter lim="800000"/>
+            <a:headEnd/>
+            <a:tailEnd/>
+          </a:ln>
+          <a:effectLst/>
+        </p:spPr>
+      </p:pic>
+      <p:sp>
+        <p:nvSpPr>
+          <p:cNvPr id="7" name="Rectangle 6"/>
+          <p:cNvSpPr/>
+          <p:nvPr/>
+        </p:nvSpPr>
+        <p:spPr>
+          <a:xfrm>
+            <a:off x="685800" y="5486400"/>
+            <a:ext cx="7010400" cy="923330"/>
+          </a:xfrm>
+          <a:prstGeom prst="rect">
+            <a:avLst/>
+          </a:prstGeom>
+        </p:spPr>
+        <p:txBody>
+          <a:bodyPr wrap="square">
+            <a:spAutoFit/>
+          </a:bodyPr>
+          <a:lstStyle/>
+          <a:p>
+            <a:r>
+              <a:rPr lang="en-US" dirty="0" smtClean="0"/>
+              <a:t>Code </a:t>
+            </a:r>
+            <a:r>
+              <a:rPr lang="en-US" dirty="0" smtClean="0"/>
+              <a:t/>
+            </a:r>
+            <a:br>
+              <a:rPr lang="en-US" dirty="0" smtClean="0"/>
+            </a:br>
+            <a:r>
+              <a:rPr lang="en-US" dirty="0" smtClean="0"/>
+              <a:t> wallet/ </a:t>
+            </a:r>
+            <a:r>
+              <a:rPr lang="en-US" dirty="0" smtClean="0"/>
+              <a:t>transaction.js  / signTransaction / VerifyTransaction</a:t>
+            </a:r>
+            <a:r>
+              <a:rPr lang="en-US" dirty="0" smtClean="0"/>
+              <a:t/>
+            </a:r>
+            <a:br>
+              <a:rPr lang="en-US" dirty="0" smtClean="0"/>
+            </a:br>
+            <a:r>
+              <a:rPr lang="en-US" dirty="0" smtClean="0"/>
+              <a:t>chain-util.js                  / </a:t>
+            </a:r>
+            <a:r>
+              <a:rPr lang="en-US" dirty="0" smtClean="0"/>
+              <a:t>verifySignature</a:t>
+            </a:r>
+            <a:endParaRPr lang="en-US" dirty="0"/>
+          </a:p>
+        </p:txBody>
+      </p:sp>
+    </p:spTree>
+  </p:cSld>
+  <p:clrMapOvr>
+    <a:masterClrMapping/>
+  </p:clrMapOvr>
+</p:sld>
+</file>
+
+<file path=ppt/slides/slide38.xml><?xml version="1.0" encoding="utf-8"?>
+<p:sld xmlns:a="http://schemas.openxmlformats.org/drawingml/2006/main" xmlns:r="http://schemas.openxmlformats.org/officeDocument/2006/relationships" xmlns:p="http://schemas.openxmlformats.org/presentationml/2006/main">
+  <p:cSld>
+    <p:spTree>
+      <p:nvGrpSpPr>
+        <p:cNvPr id="1" name=""/>
+        <p:cNvGrpSpPr/>
+        <p:nvPr/>
+      </p:nvGrpSpPr>
+      <p:grpSpPr>
+        <a:xfrm>
+          <a:off x="0" y="0"/>
+          <a:ext cx="0" cy="0"/>
+          <a:chOff x="0" y="0"/>
+          <a:chExt cx="0" cy="0"/>
+        </a:xfrm>
+      </p:grpSpPr>
+      <p:sp>
+        <p:nvSpPr>
+          <p:cNvPr id="2" name="Title 1"/>
+          <p:cNvSpPr>
+            <a:spLocks noGrp="1"/>
+          </p:cNvSpPr>
+          <p:nvPr>
+            <p:ph type="ctrTitle"/>
+          </p:nvPr>
+        </p:nvSpPr>
+        <p:spPr>
+          <a:xfrm>
+            <a:off x="0" y="0"/>
+            <a:ext cx="9144000" cy="990599"/>
+          </a:xfrm>
+        </p:spPr>
+        <p:txBody>
+          <a:bodyPr>
+            <a:normAutofit fontScale="90000"/>
+          </a:bodyPr>
+          <a:lstStyle/>
+          <a:p>
+            <a:r>
+              <a:rPr lang="en-US" dirty="0" smtClean="0"/>
+              <a:t>How do you handle Unconfirmed Transaction</a:t>
+            </a:r>
+            <a:r>
+              <a:rPr lang="en-US" dirty="0" smtClean="0"/>
+              <a:t>?</a:t>
+            </a:r>
+            <a:endParaRPr lang="en-US" dirty="0"/>
+          </a:p>
+        </p:txBody>
+      </p:sp>
+      <p:sp>
+        <p:nvSpPr>
+          <p:cNvPr id="7" name="Rectangle 6"/>
+          <p:cNvSpPr/>
+          <p:nvPr/>
+        </p:nvSpPr>
+        <p:spPr>
+          <a:xfrm>
+            <a:off x="685800" y="5486400"/>
+            <a:ext cx="7010400" cy="646331"/>
+          </a:xfrm>
+          <a:prstGeom prst="rect">
+            <a:avLst/>
+          </a:prstGeom>
+        </p:spPr>
+        <p:txBody>
+          <a:bodyPr wrap="square">
+            <a:spAutoFit/>
+          </a:bodyPr>
+          <a:lstStyle/>
+          <a:p>
+            <a:r>
+              <a:rPr lang="en-US" dirty="0" smtClean="0"/>
+              <a:t>Code </a:t>
+            </a:r>
+            <a:r>
+              <a:rPr lang="en-US" dirty="0" smtClean="0"/>
+              <a:t/>
+            </a:r>
+            <a:br>
+              <a:rPr lang="en-US" dirty="0" smtClean="0"/>
+            </a:br>
+            <a:r>
+              <a:rPr lang="en-US" dirty="0" smtClean="0"/>
+              <a:t> wallet/ </a:t>
+            </a:r>
+            <a:r>
+              <a:rPr lang="en-US" dirty="0" smtClean="0"/>
+              <a:t>transaction-pool.js</a:t>
+            </a:r>
+            <a:endParaRPr lang="en-US" dirty="0"/>
+          </a:p>
+        </p:txBody>
+      </p:sp>
+      <p:pic>
+        <p:nvPicPr>
+          <p:cNvPr id="20482" name="Picture 2"/>
+          <p:cNvPicPr>
+            <a:picLocks noChangeAspect="1" noChangeArrowheads="1"/>
+          </p:cNvPicPr>
+          <p:nvPr/>
+        </p:nvPicPr>
+        <p:blipFill>
+          <a:blip r:embed="rId2"/>
+          <a:srcRect/>
+          <a:stretch>
+            <a:fillRect/>
+          </a:stretch>
+        </p:blipFill>
+        <p:spPr bwMode="auto">
+          <a:xfrm>
+            <a:off x="0" y="1166813"/>
+            <a:ext cx="9054604" cy="3938587"/>
+          </a:xfrm>
+          <a:prstGeom prst="rect">
+            <a:avLst/>
+          </a:prstGeom>
+          <a:noFill/>
+          <a:ln w="9525">
+            <a:noFill/>
+            <a:miter lim="800000"/>
+            <a:headEnd/>
+            <a:tailEnd/>
+          </a:ln>
+          <a:effectLst/>
+        </p:spPr>
+      </p:pic>
+    </p:spTree>
+  </p:cSld>
+  <p:clrMapOvr>
+    <a:masterClrMapping/>
+  </p:clrMapOvr>
+</p:sld>
+</file>
+
+<file path=ppt/slides/slide39.xml><?xml version="1.0" encoding="utf-8"?>
+<p:sld xmlns:a="http://schemas.openxmlformats.org/drawingml/2006/main" xmlns:r="http://schemas.openxmlformats.org/officeDocument/2006/relationships" xmlns:p="http://schemas.openxmlformats.org/presentationml/2006/main">
+  <p:cSld>
+    <p:spTree>
+      <p:nvGrpSpPr>
+        <p:cNvPr id="1" name=""/>
+        <p:cNvGrpSpPr/>
+        <p:nvPr/>
+      </p:nvGrpSpPr>
+      <p:grpSpPr>
+        <a:xfrm>
+          <a:off x="0" y="0"/>
+          <a:ext cx="0" cy="0"/>
+          <a:chOff x="0" y="0"/>
+          <a:chExt cx="0" cy="0"/>
+        </a:xfrm>
+      </p:grpSpPr>
+      <p:sp>
+        <p:nvSpPr>
+          <p:cNvPr id="2" name="Title 1"/>
+          <p:cNvSpPr>
+            <a:spLocks noGrp="1"/>
+          </p:cNvSpPr>
+          <p:nvPr>
+            <p:ph type="ctrTitle"/>
+          </p:nvPr>
+        </p:nvSpPr>
+        <p:spPr>
+          <a:xfrm>
+            <a:off x="0" y="0"/>
+            <a:ext cx="9144000" cy="990599"/>
+          </a:xfrm>
+        </p:spPr>
+        <p:txBody>
+          <a:bodyPr>
+            <a:normAutofit/>
+          </a:bodyPr>
+          <a:lstStyle/>
+          <a:p>
+            <a:r>
+              <a:rPr lang="en-US" dirty="0" smtClean="0"/>
+              <a:t>How Transaction is confirmed?</a:t>
+            </a:r>
+            <a:endParaRPr lang="en-US" dirty="0"/>
+          </a:p>
+        </p:txBody>
+      </p:sp>
+      <p:sp>
+        <p:nvSpPr>
+          <p:cNvPr id="7" name="Rectangle 6"/>
+          <p:cNvSpPr/>
+          <p:nvPr/>
+        </p:nvSpPr>
+        <p:spPr>
+          <a:xfrm>
+            <a:off x="685800" y="5486400"/>
+            <a:ext cx="7010400" cy="646331"/>
+          </a:xfrm>
+          <a:prstGeom prst="rect">
+            <a:avLst/>
+          </a:prstGeom>
+        </p:spPr>
+        <p:txBody>
+          <a:bodyPr wrap="square">
+            <a:spAutoFit/>
+          </a:bodyPr>
+          <a:lstStyle/>
+          <a:p>
+            <a:r>
+              <a:rPr lang="en-US" dirty="0" smtClean="0"/>
+              <a:t>Code </a:t>
+            </a:r>
+            <a:r>
+              <a:rPr lang="en-US" dirty="0" smtClean="0"/>
+              <a:t/>
+            </a:r>
+            <a:br>
+              <a:rPr lang="en-US" dirty="0" smtClean="0"/>
+            </a:br>
+            <a:r>
+              <a:rPr lang="en-US" dirty="0" smtClean="0"/>
+              <a:t> wallet/ app/miner.js</a:t>
+            </a:r>
+            <a:endParaRPr lang="en-US" dirty="0"/>
+          </a:p>
+        </p:txBody>
+      </p:sp>
+      <p:pic>
+        <p:nvPicPr>
+          <p:cNvPr id="21506" name="Picture 2"/>
+          <p:cNvPicPr>
+            <a:picLocks noChangeAspect="1" noChangeArrowheads="1"/>
+          </p:cNvPicPr>
+          <p:nvPr/>
+        </p:nvPicPr>
+        <p:blipFill>
+          <a:blip r:embed="rId2"/>
+          <a:srcRect/>
+          <a:stretch>
+            <a:fillRect/>
+          </a:stretch>
+        </p:blipFill>
+        <p:spPr bwMode="auto">
+          <a:xfrm>
+            <a:off x="0" y="1295401"/>
+            <a:ext cx="9144000" cy="3027872"/>
+          </a:xfrm>
+          <a:prstGeom prst="rect">
+            <a:avLst/>
+          </a:prstGeom>
+          <a:noFill/>
+          <a:ln w="9525">
+            <a:noFill/>
+            <a:miter lim="800000"/>
+            <a:headEnd/>
+            <a:tailEnd/>
+          </a:ln>
+          <a:effectLst/>
+        </p:spPr>
+      </p:pic>
     </p:spTree>
   </p:cSld>
   <p:clrMapOvr>
@@ -4745,7 +8458,6 @@
               <a:rPr lang="en-US" dirty="0" smtClean="0"/>
               <a:t>By connecting each get the entire history of Ledger (block chain)</a:t>
             </a:r>
-            <a:endParaRPr lang="en-US" dirty="0" smtClean="0"/>
           </a:p>
         </p:txBody>
       </p:sp>
@@ -4782,6 +8494,229 @@
           <a:effectLst/>
         </p:spPr>
       </p:pic>
+    </p:spTree>
+  </p:cSld>
+  <p:clrMapOvr>
+    <a:masterClrMapping/>
+  </p:clrMapOvr>
+</p:sld>
+</file>
+
+<file path=ppt/slides/slide40.xml><?xml version="1.0" encoding="utf-8"?>
+<p:sld xmlns:a="http://schemas.openxmlformats.org/drawingml/2006/main" xmlns:r="http://schemas.openxmlformats.org/officeDocument/2006/relationships" xmlns:p="http://schemas.openxmlformats.org/presentationml/2006/main">
+  <p:cSld>
+    <p:spTree>
+      <p:nvGrpSpPr>
+        <p:cNvPr id="1" name=""/>
+        <p:cNvGrpSpPr/>
+        <p:nvPr/>
+      </p:nvGrpSpPr>
+      <p:grpSpPr>
+        <a:xfrm>
+          <a:off x="0" y="0"/>
+          <a:ext cx="0" cy="0"/>
+          <a:chOff x="0" y="0"/>
+          <a:chExt cx="0" cy="0"/>
+        </a:xfrm>
+      </p:grpSpPr>
+      <p:sp>
+        <p:nvSpPr>
+          <p:cNvPr id="2" name="Title 1"/>
+          <p:cNvSpPr>
+            <a:spLocks noGrp="1"/>
+          </p:cNvSpPr>
+          <p:nvPr>
+            <p:ph type="ctrTitle"/>
+          </p:nvPr>
+        </p:nvSpPr>
+        <p:spPr>
+          <a:xfrm>
+            <a:off x="0" y="0"/>
+            <a:ext cx="9144000" cy="990599"/>
+          </a:xfrm>
+        </p:spPr>
+        <p:txBody>
+          <a:bodyPr>
+            <a:normAutofit/>
+          </a:bodyPr>
+          <a:lstStyle/>
+          <a:p>
+            <a:r>
+              <a:rPr lang="en-US" dirty="0" smtClean="0"/>
+              <a:t>How to Access all endpoint?</a:t>
+            </a:r>
+            <a:endParaRPr lang="en-US" dirty="0"/>
+          </a:p>
+        </p:txBody>
+      </p:sp>
+      <p:sp>
+        <p:nvSpPr>
+          <p:cNvPr id="7" name="Rectangle 6"/>
+          <p:cNvSpPr/>
+          <p:nvPr/>
+        </p:nvSpPr>
+        <p:spPr>
+          <a:xfrm>
+            <a:off x="685800" y="5486400"/>
+            <a:ext cx="7010400" cy="646331"/>
+          </a:xfrm>
+          <a:prstGeom prst="rect">
+            <a:avLst/>
+          </a:prstGeom>
+        </p:spPr>
+        <p:txBody>
+          <a:bodyPr wrap="square">
+            <a:spAutoFit/>
+          </a:bodyPr>
+          <a:lstStyle/>
+          <a:p>
+            <a:r>
+              <a:rPr lang="en-US" dirty="0" smtClean="0"/>
+              <a:t>Code </a:t>
+            </a:r>
+            <a:r>
+              <a:rPr lang="en-US" dirty="0" smtClean="0"/>
+              <a:t/>
+            </a:r>
+            <a:br>
+              <a:rPr lang="en-US" dirty="0" smtClean="0"/>
+            </a:br>
+            <a:r>
+              <a:rPr lang="en-US" smtClean="0"/>
+              <a:t> </a:t>
+            </a:r>
+            <a:r>
+              <a:rPr lang="en-US" smtClean="0"/>
+              <a:t>app/index.js</a:t>
+            </a:r>
+            <a:endParaRPr lang="en-US" dirty="0"/>
+          </a:p>
+        </p:txBody>
+      </p:sp>
+      <p:sp>
+        <p:nvSpPr>
+          <p:cNvPr id="5" name="Rectangle 4"/>
+          <p:cNvSpPr/>
+          <p:nvPr/>
+        </p:nvSpPr>
+        <p:spPr>
+          <a:xfrm>
+            <a:off x="0" y="1295400"/>
+            <a:ext cx="9144000" cy="3693319"/>
+          </a:xfrm>
+          <a:prstGeom prst="rect">
+            <a:avLst/>
+          </a:prstGeom>
+        </p:spPr>
+        <p:txBody>
+          <a:bodyPr wrap="square">
+            <a:spAutoFit/>
+          </a:bodyPr>
+          <a:lstStyle/>
+          <a:p>
+            <a:r>
+              <a:rPr lang="en-US" dirty="0" smtClean="0"/>
+              <a:t>(1) /Blocks</a:t>
+            </a:r>
+          </a:p>
+          <a:p>
+            <a:r>
+              <a:rPr lang="en-US" dirty="0" smtClean="0"/>
+              <a:t>This response is when block get mined</a:t>
+            </a:r>
+          </a:p>
+          <a:p>
+            <a:endParaRPr lang="en-US" dirty="0" smtClean="0"/>
+          </a:p>
+          <a:p>
+            <a:r>
+              <a:rPr lang="en-US" dirty="0" smtClean="0"/>
+              <a:t>(2) /mine-transactions</a:t>
+            </a:r>
+          </a:p>
+          <a:p>
+            <a:r>
+              <a:rPr lang="en-US" dirty="0" smtClean="0"/>
+              <a:t>This mines any un </a:t>
+            </a:r>
+            <a:r>
+              <a:rPr lang="en-US" dirty="0" smtClean="0"/>
+              <a:t>confirmed </a:t>
+            </a:r>
+            <a:r>
+              <a:rPr lang="en-US" dirty="0" smtClean="0"/>
+              <a:t>transaction</a:t>
+            </a:r>
+          </a:p>
+          <a:p>
+            <a:endParaRPr lang="en-US" dirty="0" smtClean="0"/>
+          </a:p>
+          <a:p>
+            <a:r>
+              <a:rPr lang="en-US" dirty="0" smtClean="0"/>
+              <a:t>(3) /transact</a:t>
+            </a:r>
+          </a:p>
+          <a:p>
+            <a:r>
+              <a:rPr lang="en-US" dirty="0" smtClean="0"/>
+              <a:t>This init the transaction with </a:t>
+            </a:r>
+            <a:r>
+              <a:rPr lang="en-US" dirty="0" smtClean="0"/>
+              <a:t>specified </a:t>
+            </a:r>
+            <a:r>
+              <a:rPr lang="en-US" dirty="0" smtClean="0"/>
+              <a:t>amount</a:t>
+            </a:r>
+          </a:p>
+          <a:p>
+            <a:r>
+              <a:rPr lang="en-US" dirty="0" smtClean="0"/>
+              <a:t>{"recipient": "foo-4dr3ss1","amount": 50}</a:t>
+            </a:r>
+          </a:p>
+          <a:p>
+            <a:r>
+              <a:rPr lang="en-US" dirty="0" smtClean="0"/>
+              <a:t>Json format</a:t>
+            </a:r>
+          </a:p>
+          <a:p>
+            <a:endParaRPr lang="en-US" dirty="0" smtClean="0"/>
+          </a:p>
+          <a:p>
+            <a:r>
+              <a:rPr lang="en-US" dirty="0" smtClean="0"/>
+              <a:t>(4) /transactions</a:t>
+            </a:r>
+          </a:p>
+          <a:p>
+            <a:r>
+              <a:rPr lang="en-US" dirty="0" smtClean="0"/>
+              <a:t>Shows </a:t>
+            </a:r>
+            <a:r>
+              <a:rPr lang="en-US" dirty="0" smtClean="0"/>
+              <a:t>what </a:t>
+            </a:r>
+            <a:r>
+              <a:rPr lang="en-US" dirty="0" smtClean="0"/>
+              <a:t>transaction </a:t>
+            </a:r>
+            <a:r>
+              <a:rPr lang="en-US" dirty="0" smtClean="0"/>
+              <a:t>is </a:t>
+            </a:r>
+            <a:r>
+              <a:rPr lang="en-US" dirty="0" smtClean="0"/>
+              <a:t>pending .</a:t>
+            </a:r>
+            <a:endParaRPr lang="en-US" dirty="0"/>
+          </a:p>
+        </p:txBody>
+      </p:sp>
     </p:spTree>
   </p:cSld>
   <p:clrMapOvr>
@@ -5128,19 +9063,7 @@
           <a:p>
             <a:r>
               <a:rPr lang="en-US" b="1" dirty="0" smtClean="0"/>
-              <a:t>Uses Cryptography to </a:t>
-            </a:r>
-            <a:r>
-              <a:rPr lang="en-US" b="1" dirty="0" smtClean="0"/>
-              <a:t>generate </a:t>
-            </a:r>
-            <a:r>
-              <a:rPr lang="en-US" b="1" dirty="0" smtClean="0"/>
-              <a:t>digital </a:t>
-            </a:r>
-            <a:r>
-              <a:rPr lang="en-US" b="1" dirty="0" smtClean="0"/>
-              <a:t>signature</a:t>
+              <a:t>Uses Cryptography to generate digital signature</a:t>
             </a:r>
           </a:p>
           <a:p>
@@ -5182,11 +9105,7 @@
           <a:p>
             <a:r>
               <a:rPr lang="en-US" b="1" dirty="0" smtClean="0"/>
-              <a:t>What is Digital </a:t>
-            </a:r>
-            <a:r>
-              <a:rPr lang="en-US" b="1" dirty="0" smtClean="0"/>
-              <a:t>Signature?</a:t>
+              <a:t>What is Digital Signature?</a:t>
             </a:r>
             <a:br>
               <a:rPr lang="en-US" b="1" dirty="0" smtClean="0"/>
